--- a/Arcicle Classifier – działanie prototypu.pptx
+++ b/Arcicle Classifier – działanie prototypu.pptx
@@ -125,6 +125,9 @@
         </p14:section>
       </p14:sectionLst>
     </p:ext>
+    <p:ext uri="{EFAFB233-063F-42B5-8137-9DF3F51BA10A}">
+      <p15:sldGuideLst xmlns:p15="http://schemas.microsoft.com/office/powerpoint/2012/main"/>
+    </p:ext>
   </p:extLst>
 </p:presentation>
 </file>
@@ -285,7 +288,7 @@
             <a:fld id="{11A6662E-FAF4-44BC-88B5-85A7CBFB6D30}" type="datetime1">
               <a:rPr lang="en-US" smtClean="0"/>
               <a:pPr/>
-              <a:t>1/21/2024</a:t>
+              <a:t>6/10/2024</a:t>
             </a:fld>
             <a:endParaRPr lang="en-US"/>
           </a:p>
@@ -496,7 +499,7 @@
           <a:p>
             <a:fld id="{4C559632-1575-4E14-B53B-3DC3D5ED3947}" type="datetime1">
               <a:rPr lang="en-US" smtClean="0"/>
-              <a:t>1/21/2024</a:t>
+              <a:t>6/10/2024</a:t>
             </a:fld>
             <a:endParaRPr lang="en-US"/>
           </a:p>
@@ -704,7 +707,7 @@
           <a:p>
             <a:fld id="{CC4A6868-2568-4CC9-B302-F37117B01A6E}" type="datetime1">
               <a:rPr lang="en-US" smtClean="0"/>
-              <a:t>1/21/2024</a:t>
+              <a:t>6/10/2024</a:t>
             </a:fld>
             <a:endParaRPr lang="en-US"/>
           </a:p>
@@ -907,7 +910,7 @@
           <a:p>
             <a:fld id="{0055F08A-1E71-4B2B-BB49-E743F2903911}" type="datetime1">
               <a:rPr lang="en-US" smtClean="0"/>
-              <a:t>1/21/2024</a:t>
+              <a:t>6/10/2024</a:t>
             </a:fld>
             <a:endParaRPr lang="en-US" dirty="0"/>
           </a:p>
@@ -1181,7 +1184,7 @@
           <a:p>
             <a:fld id="{15417D9E-721A-44BB-8863-9873FE64DA75}" type="datetime1">
               <a:rPr lang="en-US" smtClean="0"/>
-              <a:t>1/21/2024</a:t>
+              <a:t>6/10/2024</a:t>
             </a:fld>
             <a:endParaRPr lang="en-US"/>
           </a:p>
@@ -1451,7 +1454,7 @@
           <a:p>
             <a:fld id="{5F31DA2F-80B8-49CF-99FB-5ABCA53A607A}" type="datetime1">
               <a:rPr lang="en-US" smtClean="0"/>
-              <a:t>1/21/2024</a:t>
+              <a:t>6/10/2024</a:t>
             </a:fld>
             <a:endParaRPr lang="en-US"/>
           </a:p>
@@ -1864,7 +1867,7 @@
           <a:p>
             <a:fld id="{28852172-E6C9-4B6C-929A-A9DE3837BBF1}" type="datetime1">
               <a:rPr lang="en-US" smtClean="0"/>
-              <a:t>1/21/2024</a:t>
+              <a:t>6/10/2024</a:t>
             </a:fld>
             <a:endParaRPr lang="en-US"/>
           </a:p>
@@ -2010,7 +2013,7 @@
           <a:p>
             <a:fld id="{3AB41CFF-90C9-47B3-9DA1-F2BF8D839F7E}" type="datetime1">
               <a:rPr lang="en-US" smtClean="0"/>
-              <a:t>1/21/2024</a:t>
+              <a:t>6/10/2024</a:t>
             </a:fld>
             <a:endParaRPr lang="en-US"/>
           </a:p>
@@ -2123,7 +2126,7 @@
           <a:p>
             <a:fld id="{F06048FA-06AB-4884-A69B-986B96E68A24}" type="datetime1">
               <a:rPr lang="en-US" smtClean="0"/>
-              <a:t>1/21/2024</a:t>
+              <a:t>6/10/2024</a:t>
             </a:fld>
             <a:endParaRPr lang="en-US"/>
           </a:p>
@@ -2434,7 +2437,7 @@
           <a:p>
             <a:fld id="{50DB7ABA-0172-4F9C-889D-567164F66BCD}" type="datetime1">
               <a:rPr lang="en-US" smtClean="0"/>
-              <a:t>1/21/2024</a:t>
+              <a:t>6/10/2024</a:t>
             </a:fld>
             <a:endParaRPr lang="en-US"/>
           </a:p>
@@ -2725,7 +2728,7 @@
           <a:p>
             <a:fld id="{78AC6A5B-8AE7-4A41-B5A7-9ADC6686DC18}" type="datetime1">
               <a:rPr lang="en-US" smtClean="0"/>
-              <a:t>1/21/2024</a:t>
+              <a:t>6/10/2024</a:t>
             </a:fld>
             <a:endParaRPr lang="en-US"/>
           </a:p>
@@ -3071,7 +3074,7 @@
             <a:fld id="{57E0CF6C-748E-4B7A-BC8B-3011EF78ED13}" type="datetime1">
               <a:rPr lang="en-US" smtClean="0"/>
               <a:pPr/>
-              <a:t>1/21/2024</a:t>
+              <a:t>6/10/2024</a:t>
             </a:fld>
             <a:endParaRPr lang="en-US" dirty="0"/>
           </a:p>
@@ -3755,17 +3758,6 @@
                   <a:schemeClr val="tx2"/>
                 </a:solidFill>
               </a:rPr>
-              <a:t>inż. Arkadiusz Bryłkowski</a:t>
-            </a:r>
-          </a:p>
-          <a:p>
-            <a:pPr algn="l"/>
-            <a:r>
-              <a:rPr lang="pl-PL" sz="2200" dirty="0">
-                <a:solidFill>
-                  <a:schemeClr val="tx2"/>
-                </a:solidFill>
-              </a:rPr>
               <a:t>inż. Piotr Barabasz</a:t>
             </a:r>
           </a:p>
@@ -4143,19 +4135,17 @@
       </p:sp>
       <p:pic>
         <p:nvPicPr>
-          <p:cNvPr id="5" name="Symbol zastępczy zawartości 4">
-            <a:extLst>
-              <a:ext uri="{FF2B5EF4-FFF2-40B4-BE49-F238E27FC236}">
-                <a16:creationId xmlns:a16="http://schemas.microsoft.com/office/drawing/2014/main" id="{5C080443-7511-C18A-20F0-5FC37F950EB4}"/>
+          <p:cNvPr id="7" name="Picture 6">
+            <a:extLst>
+              <a:ext uri="{FF2B5EF4-FFF2-40B4-BE49-F238E27FC236}">
+                <a16:creationId xmlns:a16="http://schemas.microsoft.com/office/drawing/2014/main" id="{1FD033CE-1C54-8707-AC56-2433EA0FC401}"/>
               </a:ext>
             </a:extLst>
           </p:cNvPr>
           <p:cNvPicPr>
-            <a:picLocks noGrp="1" noChangeAspect="1"/>
+            <a:picLocks noChangeAspect="1"/>
           </p:cNvPicPr>
-          <p:nvPr>
-            <p:ph idx="1"/>
-          </p:nvPr>
+          <p:nvPr/>
         </p:nvPicPr>
         <p:blipFill>
           <a:blip r:embed="rId2"/>
@@ -4165,9 +4155,12 @@
         </p:blipFill>
         <p:spPr>
           <a:xfrm>
-            <a:off x="2595562" y="2056606"/>
-            <a:ext cx="7000875" cy="3981450"/>
+            <a:off x="2671284" y="2103960"/>
+            <a:ext cx="6849431" cy="3886742"/>
           </a:xfrm>
+          <a:prstGeom prst="rect">
+            <a:avLst/>
+          </a:prstGeom>
         </p:spPr>
       </p:pic>
     </p:spTree>
@@ -4200,12 +4193,297 @@
           <a:chExt cx="0" cy="0"/>
         </a:xfrm>
       </p:grpSpPr>
+      <p:sp>
+        <p:nvSpPr>
+          <p:cNvPr id="2" name="Tytuł 1">
+            <a:extLst>
+              <a:ext uri="{FF2B5EF4-FFF2-40B4-BE49-F238E27FC236}">
+                <a16:creationId xmlns:a16="http://schemas.microsoft.com/office/drawing/2014/main" id="{A263B156-1D67-853A-EE7A-DE734F9E21FE}"/>
+              </a:ext>
+            </a:extLst>
+          </p:cNvPr>
+          <p:cNvSpPr>
+            <a:spLocks noGrp="1"/>
+          </p:cNvSpPr>
+          <p:nvPr>
+            <p:ph type="title"/>
+          </p:nvPr>
+        </p:nvSpPr>
+        <p:spPr/>
+        <p:txBody>
+          <a:bodyPr/>
+          <a:lstStyle/>
+          <a:p>
+            <a:pPr algn="ctr"/>
+            <a:r>
+              <a:rPr lang="pl-PL" dirty="0"/>
+              <a:t>Klasyfikacja przy pomocy teksu</a:t>
+            </a:r>
+          </a:p>
+        </p:txBody>
+      </p:sp>
+      <p:sp>
+        <p:nvSpPr>
+          <p:cNvPr id="3" name="Symbol zastępczy zawartości 2">
+            <a:extLst>
+              <a:ext uri="{FF2B5EF4-FFF2-40B4-BE49-F238E27FC236}">
+                <a16:creationId xmlns:a16="http://schemas.microsoft.com/office/drawing/2014/main" id="{D4CCD59A-27D4-2E7E-255C-D85085678F14}"/>
+              </a:ext>
+            </a:extLst>
+          </p:cNvPr>
+          <p:cNvSpPr>
+            <a:spLocks noGrp="1"/>
+          </p:cNvSpPr>
+          <p:nvPr>
+            <p:ph idx="1"/>
+          </p:nvPr>
+        </p:nvSpPr>
+        <p:spPr>
+          <a:xfrm>
+            <a:off x="162249" y="1663182"/>
+            <a:ext cx="3274831" cy="614186"/>
+          </a:xfrm>
+        </p:spPr>
+        <p:txBody>
+          <a:bodyPr>
+            <a:normAutofit/>
+          </a:bodyPr>
+          <a:lstStyle/>
+          <a:p>
+            <a:pPr marL="0" indent="0">
+              <a:buNone/>
+            </a:pPr>
+            <a:r>
+              <a:rPr lang="pl-PL" sz="2000" b="1" dirty="0"/>
+              <a:t>2. Wprowadź tekst</a:t>
+            </a:r>
+          </a:p>
+        </p:txBody>
+      </p:sp>
+      <p:sp>
+        <p:nvSpPr>
+          <p:cNvPr id="10" name="Symbol zastępczy zawartości 2">
+            <a:extLst>
+              <a:ext uri="{FF2B5EF4-FFF2-40B4-BE49-F238E27FC236}">
+                <a16:creationId xmlns:a16="http://schemas.microsoft.com/office/drawing/2014/main" id="{C4863FC7-A9D8-B474-AA21-A75A292D690E}"/>
+              </a:ext>
+            </a:extLst>
+          </p:cNvPr>
+          <p:cNvSpPr txBox="1">
+            <a:spLocks/>
+          </p:cNvSpPr>
+          <p:nvPr/>
+        </p:nvSpPr>
+        <p:spPr>
+          <a:xfrm>
+            <a:off x="353437" y="5993920"/>
+            <a:ext cx="3274831" cy="614186"/>
+          </a:xfrm>
+          <a:prstGeom prst="rect">
+            <a:avLst/>
+          </a:prstGeom>
+        </p:spPr>
+        <p:txBody>
+          <a:bodyPr vert="horz" lIns="91440" tIns="45720" rIns="91440" bIns="45720" rtlCol="0">
+            <a:normAutofit fontScale="85000" lnSpcReduction="10000"/>
+          </a:bodyPr>
+          <a:lstStyle>
+            <a:lvl1pPr marL="228600" indent="-228600" algn="l" defTabSz="914400" rtl="0" eaLnBrk="1" latinLnBrk="0" hangingPunct="1">
+              <a:lnSpc>
+                <a:spcPct val="110000"/>
+              </a:lnSpc>
+              <a:spcBef>
+                <a:spcPts val="1000"/>
+              </a:spcBef>
+              <a:buClr>
+                <a:schemeClr val="accent1"/>
+              </a:buClr>
+              <a:buFont typeface="Arial" panose="020B0604020202020204" pitchFamily="34" charset="0"/>
+              <a:buChar char="•"/>
+              <a:defRPr sz="2800" kern="1200">
+                <a:solidFill>
+                  <a:schemeClr val="bg1"/>
+                </a:solidFill>
+                <a:latin typeface="+mn-lt"/>
+                <a:ea typeface="+mn-ea"/>
+                <a:cs typeface="+mn-cs"/>
+              </a:defRPr>
+            </a:lvl1pPr>
+            <a:lvl2pPr marL="685800" indent="-228600" algn="l" defTabSz="914400" rtl="0" eaLnBrk="1" latinLnBrk="0" hangingPunct="1">
+              <a:lnSpc>
+                <a:spcPct val="110000"/>
+              </a:lnSpc>
+              <a:spcBef>
+                <a:spcPts val="500"/>
+              </a:spcBef>
+              <a:buClr>
+                <a:schemeClr val="accent1"/>
+              </a:buClr>
+              <a:buFont typeface="Arial" panose="020B0604020202020204" pitchFamily="34" charset="0"/>
+              <a:buChar char="•"/>
+              <a:defRPr sz="2400" kern="1200">
+                <a:solidFill>
+                  <a:schemeClr val="bg1"/>
+                </a:solidFill>
+                <a:latin typeface="+mn-lt"/>
+                <a:ea typeface="+mn-ea"/>
+                <a:cs typeface="+mn-cs"/>
+              </a:defRPr>
+            </a:lvl2pPr>
+            <a:lvl3pPr marL="1143000" indent="-228600" algn="l" defTabSz="914400" rtl="0" eaLnBrk="1" latinLnBrk="0" hangingPunct="1">
+              <a:lnSpc>
+                <a:spcPct val="110000"/>
+              </a:lnSpc>
+              <a:spcBef>
+                <a:spcPts val="500"/>
+              </a:spcBef>
+              <a:buClr>
+                <a:schemeClr val="accent1"/>
+              </a:buClr>
+              <a:buFont typeface="Arial" panose="020B0604020202020204" pitchFamily="34" charset="0"/>
+              <a:buChar char="•"/>
+              <a:defRPr sz="2000" kern="1200">
+                <a:solidFill>
+                  <a:schemeClr val="bg1"/>
+                </a:solidFill>
+                <a:latin typeface="+mn-lt"/>
+                <a:ea typeface="+mn-ea"/>
+                <a:cs typeface="+mn-cs"/>
+              </a:defRPr>
+            </a:lvl3pPr>
+            <a:lvl4pPr marL="1600200" indent="-228600" algn="l" defTabSz="914400" rtl="0" eaLnBrk="1" latinLnBrk="0" hangingPunct="1">
+              <a:lnSpc>
+                <a:spcPct val="110000"/>
+              </a:lnSpc>
+              <a:spcBef>
+                <a:spcPts val="500"/>
+              </a:spcBef>
+              <a:buClr>
+                <a:schemeClr val="accent1"/>
+              </a:buClr>
+              <a:buFont typeface="Arial" panose="020B0604020202020204" pitchFamily="34" charset="0"/>
+              <a:buChar char="•"/>
+              <a:defRPr sz="1800" kern="1200">
+                <a:solidFill>
+                  <a:schemeClr val="bg1"/>
+                </a:solidFill>
+                <a:latin typeface="+mn-lt"/>
+                <a:ea typeface="+mn-ea"/>
+                <a:cs typeface="+mn-cs"/>
+              </a:defRPr>
+            </a:lvl4pPr>
+            <a:lvl5pPr marL="2057400" indent="-228600" algn="l" defTabSz="914400" rtl="0" eaLnBrk="1" latinLnBrk="0" hangingPunct="1">
+              <a:lnSpc>
+                <a:spcPct val="110000"/>
+              </a:lnSpc>
+              <a:spcBef>
+                <a:spcPts val="500"/>
+              </a:spcBef>
+              <a:buClr>
+                <a:schemeClr val="accent1"/>
+              </a:buClr>
+              <a:buFont typeface="Arial" panose="020B0604020202020204" pitchFamily="34" charset="0"/>
+              <a:buChar char="•"/>
+              <a:defRPr sz="1800" kern="1200">
+                <a:solidFill>
+                  <a:schemeClr val="bg1"/>
+                </a:solidFill>
+                <a:latin typeface="+mn-lt"/>
+                <a:ea typeface="+mn-ea"/>
+                <a:cs typeface="+mn-cs"/>
+              </a:defRPr>
+            </a:lvl5pPr>
+            <a:lvl6pPr marL="2514600" indent="-228600" algn="l" defTabSz="914400" rtl="0" eaLnBrk="1" latinLnBrk="0" hangingPunct="1">
+              <a:lnSpc>
+                <a:spcPct val="90000"/>
+              </a:lnSpc>
+              <a:spcBef>
+                <a:spcPts val="500"/>
+              </a:spcBef>
+              <a:buFont typeface="Arial" panose="020B0604020202020204" pitchFamily="34" charset="0"/>
+              <a:buChar char="•"/>
+              <a:defRPr sz="1800" kern="1200">
+                <a:solidFill>
+                  <a:schemeClr val="tx1"/>
+                </a:solidFill>
+                <a:latin typeface="+mn-lt"/>
+                <a:ea typeface="+mn-ea"/>
+                <a:cs typeface="+mn-cs"/>
+              </a:defRPr>
+            </a:lvl6pPr>
+            <a:lvl7pPr marL="2971800" indent="-228600" algn="l" defTabSz="914400" rtl="0" eaLnBrk="1" latinLnBrk="0" hangingPunct="1">
+              <a:lnSpc>
+                <a:spcPct val="90000"/>
+              </a:lnSpc>
+              <a:spcBef>
+                <a:spcPts val="500"/>
+              </a:spcBef>
+              <a:buFont typeface="Arial" panose="020B0604020202020204" pitchFamily="34" charset="0"/>
+              <a:buChar char="•"/>
+              <a:defRPr sz="1800" kern="1200">
+                <a:solidFill>
+                  <a:schemeClr val="tx1"/>
+                </a:solidFill>
+                <a:latin typeface="+mn-lt"/>
+                <a:ea typeface="+mn-ea"/>
+                <a:cs typeface="+mn-cs"/>
+              </a:defRPr>
+            </a:lvl7pPr>
+            <a:lvl8pPr marL="3429000" indent="-228600" algn="l" defTabSz="914400" rtl="0" eaLnBrk="1" latinLnBrk="0" hangingPunct="1">
+              <a:lnSpc>
+                <a:spcPct val="90000"/>
+              </a:lnSpc>
+              <a:spcBef>
+                <a:spcPts val="500"/>
+              </a:spcBef>
+              <a:buFont typeface="Arial" panose="020B0604020202020204" pitchFamily="34" charset="0"/>
+              <a:buChar char="•"/>
+              <a:defRPr sz="1800" kern="1200">
+                <a:solidFill>
+                  <a:schemeClr val="tx1"/>
+                </a:solidFill>
+                <a:latin typeface="+mn-lt"/>
+                <a:ea typeface="+mn-ea"/>
+                <a:cs typeface="+mn-cs"/>
+              </a:defRPr>
+            </a:lvl8pPr>
+            <a:lvl9pPr marL="3886200" indent="-228600" algn="l" defTabSz="914400" rtl="0" eaLnBrk="1" latinLnBrk="0" hangingPunct="1">
+              <a:lnSpc>
+                <a:spcPct val="90000"/>
+              </a:lnSpc>
+              <a:spcBef>
+                <a:spcPts val="500"/>
+              </a:spcBef>
+              <a:buFont typeface="Arial" panose="020B0604020202020204" pitchFamily="34" charset="0"/>
+              <a:buChar char="•"/>
+              <a:defRPr sz="1800" kern="1200">
+                <a:solidFill>
+                  <a:schemeClr val="tx1"/>
+                </a:solidFill>
+                <a:latin typeface="+mn-lt"/>
+                <a:ea typeface="+mn-ea"/>
+                <a:cs typeface="+mn-cs"/>
+              </a:defRPr>
+            </a:lvl9pPr>
+          </a:lstStyle>
+          <a:p>
+            <a:pPr marL="0" indent="0">
+              <a:buFont typeface="Arial" panose="020B0604020202020204" pitchFamily="34" charset="0"/>
+              <a:buNone/>
+            </a:pPr>
+            <a:r>
+              <a:rPr lang="pl-PL" sz="2000" b="1" dirty="0"/>
+              <a:t>4. Sprawdź do jakich kategorii pasuje twój tekst</a:t>
+            </a:r>
+          </a:p>
+        </p:txBody>
+      </p:sp>
       <p:pic>
         <p:nvPicPr>
-          <p:cNvPr id="5" name="Obraz 4">
-            <a:extLst>
-              <a:ext uri="{FF2B5EF4-FFF2-40B4-BE49-F238E27FC236}">
-                <a16:creationId xmlns:a16="http://schemas.microsoft.com/office/drawing/2014/main" id="{95FBB238-C3C9-0C53-0DB1-F37BB572AEFB}"/>
+          <p:cNvPr id="11" name="Picture 10">
+            <a:extLst>
+              <a:ext uri="{FF2B5EF4-FFF2-40B4-BE49-F238E27FC236}">
+                <a16:creationId xmlns:a16="http://schemas.microsoft.com/office/drawing/2014/main" id="{C6DF110E-E055-A129-AD05-9F111EF0DA98}"/>
               </a:ext>
             </a:extLst>
           </p:cNvPr>
@@ -4222,8 +4500,8 @@
         </p:blipFill>
         <p:spPr>
           <a:xfrm>
-            <a:off x="2609850" y="2004218"/>
-            <a:ext cx="6972300" cy="4086225"/>
+            <a:off x="2890549" y="2085981"/>
+            <a:ext cx="6773220" cy="3820058"/>
           </a:xfrm>
           <a:prstGeom prst="rect">
             <a:avLst/>
@@ -4232,77 +4510,10 @@
       </p:pic>
       <p:sp>
         <p:nvSpPr>
-          <p:cNvPr id="2" name="Tytuł 1">
-            <a:extLst>
-              <a:ext uri="{FF2B5EF4-FFF2-40B4-BE49-F238E27FC236}">
-                <a16:creationId xmlns:a16="http://schemas.microsoft.com/office/drawing/2014/main" id="{A263B156-1D67-853A-EE7A-DE734F9E21FE}"/>
-              </a:ext>
-            </a:extLst>
-          </p:cNvPr>
-          <p:cNvSpPr>
-            <a:spLocks noGrp="1"/>
-          </p:cNvSpPr>
-          <p:nvPr>
-            <p:ph type="title"/>
-          </p:nvPr>
-        </p:nvSpPr>
-        <p:spPr/>
-        <p:txBody>
-          <a:bodyPr/>
-          <a:lstStyle/>
-          <a:p>
-            <a:pPr algn="ctr"/>
-            <a:r>
-              <a:rPr lang="pl-PL" dirty="0"/>
-              <a:t>Klasyfikacja przy pomocy teksu</a:t>
-            </a:r>
-          </a:p>
-        </p:txBody>
-      </p:sp>
-      <p:sp>
-        <p:nvSpPr>
-          <p:cNvPr id="3" name="Symbol zastępczy zawartości 2">
-            <a:extLst>
-              <a:ext uri="{FF2B5EF4-FFF2-40B4-BE49-F238E27FC236}">
-                <a16:creationId xmlns:a16="http://schemas.microsoft.com/office/drawing/2014/main" id="{D4CCD59A-27D4-2E7E-255C-D85085678F14}"/>
-              </a:ext>
-            </a:extLst>
-          </p:cNvPr>
-          <p:cNvSpPr>
-            <a:spLocks noGrp="1"/>
-          </p:cNvSpPr>
-          <p:nvPr>
-            <p:ph idx="1"/>
-          </p:nvPr>
-        </p:nvSpPr>
-        <p:spPr>
-          <a:xfrm>
-            <a:off x="491826" y="2137404"/>
-            <a:ext cx="3274831" cy="614186"/>
-          </a:xfrm>
-        </p:spPr>
-        <p:txBody>
-          <a:bodyPr>
-            <a:normAutofit/>
-          </a:bodyPr>
-          <a:lstStyle/>
-          <a:p>
-            <a:pPr marL="0" indent="0">
-              <a:buNone/>
-            </a:pPr>
-            <a:r>
-              <a:rPr lang="pl-PL" sz="2000" b="1" dirty="0"/>
-              <a:t>1. Wprowadź tekst</a:t>
-            </a:r>
-          </a:p>
-        </p:txBody>
-      </p:sp>
-      <p:sp>
-        <p:nvSpPr>
-          <p:cNvPr id="6" name="Strzałka: w prawo 5">
-            <a:extLst>
-              <a:ext uri="{FF2B5EF4-FFF2-40B4-BE49-F238E27FC236}">
-                <a16:creationId xmlns:a16="http://schemas.microsoft.com/office/drawing/2014/main" id="{7341D722-7D19-73E3-2F9C-F058A6B21A30}"/>
+          <p:cNvPr id="12" name="Strzałka: w prawo 5">
+            <a:extLst>
+              <a:ext uri="{FF2B5EF4-FFF2-40B4-BE49-F238E27FC236}">
+                <a16:creationId xmlns:a16="http://schemas.microsoft.com/office/drawing/2014/main" id="{D62AA00C-E581-2BCC-A1C2-5C40DAF9CC08}"/>
               </a:ext>
             </a:extLst>
           </p:cNvPr>
@@ -4311,7 +4522,7 @@
         </p:nvSpPr>
         <p:spPr>
           <a:xfrm rot="1903173">
-            <a:off x="1468074" y="2768366"/>
+            <a:off x="1939583" y="2533096"/>
             <a:ext cx="1786855" cy="660633"/>
           </a:xfrm>
           <a:prstGeom prst="rightArrow">
@@ -4345,10 +4556,10 @@
       </p:sp>
       <p:sp>
         <p:nvSpPr>
-          <p:cNvPr id="7" name="Strzałka: w prawo 6">
-            <a:extLst>
-              <a:ext uri="{FF2B5EF4-FFF2-40B4-BE49-F238E27FC236}">
-                <a16:creationId xmlns:a16="http://schemas.microsoft.com/office/drawing/2014/main" id="{87000AFF-A7EC-223C-565E-66BB75280FA8}"/>
+          <p:cNvPr id="13" name="Strzałka: w prawo 6">
+            <a:extLst>
+              <a:ext uri="{FF2B5EF4-FFF2-40B4-BE49-F238E27FC236}">
+                <a16:creationId xmlns:a16="http://schemas.microsoft.com/office/drawing/2014/main" id="{86FE2741-0A29-9C27-08A5-9329A380572E}"/>
               </a:ext>
             </a:extLst>
           </p:cNvPr>
@@ -4356,8 +4567,8 @@
           <p:nvPr/>
         </p:nvSpPr>
         <p:spPr>
-          <a:xfrm rot="9784830">
-            <a:off x="8373611" y="3631613"/>
+          <a:xfrm rot="12790691">
+            <a:off x="8983014" y="4593439"/>
             <a:ext cx="1786855" cy="660633"/>
           </a:xfrm>
           <a:prstGeom prst="rightArrow">
@@ -4391,10 +4602,10 @@
       </p:sp>
       <p:sp>
         <p:nvSpPr>
-          <p:cNvPr id="8" name="Symbol zastępczy zawartości 2">
-            <a:extLst>
-              <a:ext uri="{FF2B5EF4-FFF2-40B4-BE49-F238E27FC236}">
-                <a16:creationId xmlns:a16="http://schemas.microsoft.com/office/drawing/2014/main" id="{46603996-7A36-121F-452C-634851B05982}"/>
+          <p:cNvPr id="15" name="Symbol zastępczy zawartości 2">
+            <a:extLst>
+              <a:ext uri="{FF2B5EF4-FFF2-40B4-BE49-F238E27FC236}">
+                <a16:creationId xmlns:a16="http://schemas.microsoft.com/office/drawing/2014/main" id="{0976F375-A8D2-F990-6534-CBB798439B3F}"/>
               </a:ext>
             </a:extLst>
           </p:cNvPr>
@@ -4405,7 +4616,7 @@
         </p:nvSpPr>
         <p:spPr>
           <a:xfrm>
-            <a:off x="8438934" y="2981126"/>
+            <a:off x="8357842" y="5661499"/>
             <a:ext cx="3753066" cy="614186"/>
           </a:xfrm>
           <a:prstGeom prst="rect">
@@ -4602,17 +4813,17 @@
             </a:pPr>
             <a:r>
               <a:rPr lang="pl-PL" b="1" dirty="0"/>
-              <a:t>2. Kliknij w ten przycisk</a:t>
-            </a:r>
-          </a:p>
-        </p:txBody>
-      </p:sp>
-      <p:sp>
-        <p:nvSpPr>
-          <p:cNvPr id="9" name="Strzałka: w prawo 8">
-            <a:extLst>
-              <a:ext uri="{FF2B5EF4-FFF2-40B4-BE49-F238E27FC236}">
-                <a16:creationId xmlns:a16="http://schemas.microsoft.com/office/drawing/2014/main" id="{43200967-1082-AF31-EDC1-F6A2983DF44E}"/>
+              <a:t>3. Kliknij w ten przycisk</a:t>
+            </a:r>
+          </a:p>
+        </p:txBody>
+      </p:sp>
+      <p:sp>
+        <p:nvSpPr>
+          <p:cNvPr id="16" name="Strzałka: w prawo 8">
+            <a:extLst>
+              <a:ext uri="{FF2B5EF4-FFF2-40B4-BE49-F238E27FC236}">
+                <a16:creationId xmlns:a16="http://schemas.microsoft.com/office/drawing/2014/main" id="{DACC3D78-1361-FFA4-99A4-0173A167E471}"/>
               </a:ext>
             </a:extLst>
           </p:cNvPr>
@@ -4621,7 +4832,7 @@
         </p:nvSpPr>
         <p:spPr>
           <a:xfrm rot="20538504">
-            <a:off x="3320593" y="5575723"/>
+            <a:off x="3357538" y="5609946"/>
             <a:ext cx="1786855" cy="660633"/>
           </a:xfrm>
           <a:prstGeom prst="rightArrow">
@@ -4655,10 +4866,10 @@
       </p:sp>
       <p:sp>
         <p:nvSpPr>
-          <p:cNvPr id="10" name="Symbol zastępczy zawartości 2">
-            <a:extLst>
-              <a:ext uri="{FF2B5EF4-FFF2-40B4-BE49-F238E27FC236}">
-                <a16:creationId xmlns:a16="http://schemas.microsoft.com/office/drawing/2014/main" id="{C4863FC7-A9D8-B474-AA21-A75A292D690E}"/>
+          <p:cNvPr id="17" name="Symbol zastępczy zawartości 2">
+            <a:extLst>
+              <a:ext uri="{FF2B5EF4-FFF2-40B4-BE49-F238E27FC236}">
+                <a16:creationId xmlns:a16="http://schemas.microsoft.com/office/drawing/2014/main" id="{5E5DDC38-160A-0452-7E97-462DE9B3A8A1}"/>
               </a:ext>
             </a:extLst>
           </p:cNvPr>
@@ -4669,7 +4880,7 @@
         </p:nvSpPr>
         <p:spPr>
           <a:xfrm>
-            <a:off x="353437" y="5993920"/>
+            <a:off x="9663769" y="1287828"/>
             <a:ext cx="3274831" cy="614186"/>
           </a:xfrm>
           <a:prstGeom prst="rect">
@@ -4678,7 +4889,7 @@
         </p:spPr>
         <p:txBody>
           <a:bodyPr vert="horz" lIns="91440" tIns="45720" rIns="91440" bIns="45720" rtlCol="0">
-            <a:normAutofit fontScale="85000" lnSpcReduction="10000"/>
+            <a:normAutofit/>
           </a:bodyPr>
           <a:lstStyle>
             <a:lvl1pPr marL="228600" indent="-228600" algn="l" defTabSz="914400" rtl="0" eaLnBrk="1" latinLnBrk="0" hangingPunct="1">
@@ -4866,8 +5077,54 @@
             </a:pPr>
             <a:r>
               <a:rPr lang="pl-PL" sz="2000" b="1" dirty="0"/>
-              <a:t>3. Sprawdź do jakich kategorii pasuje twój tekst</a:t>
-            </a:r>
+              <a:t>1. Wybierz język</a:t>
+            </a:r>
+          </a:p>
+        </p:txBody>
+      </p:sp>
+      <p:sp>
+        <p:nvSpPr>
+          <p:cNvPr id="18" name="Strzałka: w prawo 5">
+            <a:extLst>
+              <a:ext uri="{FF2B5EF4-FFF2-40B4-BE49-F238E27FC236}">
+                <a16:creationId xmlns:a16="http://schemas.microsoft.com/office/drawing/2014/main" id="{B9D50FA1-041A-938C-E665-CF4E50413CA1}"/>
+              </a:ext>
+            </a:extLst>
+          </p:cNvPr>
+          <p:cNvSpPr/>
+          <p:nvPr/>
+        </p:nvSpPr>
+        <p:spPr>
+          <a:xfrm rot="9650353">
+            <a:off x="9593875" y="1768834"/>
+            <a:ext cx="1325430" cy="660633"/>
+          </a:xfrm>
+          <a:prstGeom prst="rightArrow">
+            <a:avLst/>
+          </a:prstGeom>
+        </p:spPr>
+        <p:style>
+          <a:lnRef idx="2">
+            <a:schemeClr val="accent1">
+              <a:shade val="15000"/>
+            </a:schemeClr>
+          </a:lnRef>
+          <a:fillRef idx="1">
+            <a:schemeClr val="accent1"/>
+          </a:fillRef>
+          <a:effectRef idx="0">
+            <a:schemeClr val="accent1"/>
+          </a:effectRef>
+          <a:fontRef idx="minor">
+            <a:schemeClr val="lt1"/>
+          </a:fontRef>
+        </p:style>
+        <p:txBody>
+          <a:bodyPr rtlCol="0" anchor="ctr"/>
+          <a:lstStyle/>
+          <a:p>
+            <a:pPr algn="ctr"/>
+            <a:endParaRPr lang="pl-PL"/>
           </a:p>
         </p:txBody>
       </p:sp>
@@ -4901,12 +5158,733 @@
           <a:chExt cx="0" cy="0"/>
         </a:xfrm>
       </p:grpSpPr>
+      <p:sp>
+        <p:nvSpPr>
+          <p:cNvPr id="2" name="Tytuł 1">
+            <a:extLst>
+              <a:ext uri="{FF2B5EF4-FFF2-40B4-BE49-F238E27FC236}">
+                <a16:creationId xmlns:a16="http://schemas.microsoft.com/office/drawing/2014/main" id="{A263B156-1D67-853A-EE7A-DE734F9E21FE}"/>
+              </a:ext>
+            </a:extLst>
+          </p:cNvPr>
+          <p:cNvSpPr>
+            <a:spLocks noGrp="1"/>
+          </p:cNvSpPr>
+          <p:nvPr>
+            <p:ph type="title"/>
+          </p:nvPr>
+        </p:nvSpPr>
+        <p:spPr/>
+        <p:txBody>
+          <a:bodyPr/>
+          <a:lstStyle/>
+          <a:p>
+            <a:pPr algn="ctr"/>
+            <a:r>
+              <a:rPr lang="pl-PL" dirty="0"/>
+              <a:t>Klasyfikacja przy pomocy pliku</a:t>
+            </a:r>
+          </a:p>
+        </p:txBody>
+      </p:sp>
+      <p:sp>
+        <p:nvSpPr>
+          <p:cNvPr id="3" name="Symbol zastępczy zawartości 2">
+            <a:extLst>
+              <a:ext uri="{FF2B5EF4-FFF2-40B4-BE49-F238E27FC236}">
+                <a16:creationId xmlns:a16="http://schemas.microsoft.com/office/drawing/2014/main" id="{D4CCD59A-27D4-2E7E-255C-D85085678F14}"/>
+              </a:ext>
+            </a:extLst>
+          </p:cNvPr>
+          <p:cNvSpPr>
+            <a:spLocks noGrp="1"/>
+          </p:cNvSpPr>
+          <p:nvPr>
+            <p:ph idx="1"/>
+          </p:nvPr>
+        </p:nvSpPr>
+        <p:spPr>
+          <a:xfrm>
+            <a:off x="491826" y="2059008"/>
+            <a:ext cx="3274831" cy="614186"/>
+          </a:xfrm>
+        </p:spPr>
+        <p:txBody>
+          <a:bodyPr>
+            <a:normAutofit/>
+          </a:bodyPr>
+          <a:lstStyle/>
+          <a:p>
+            <a:pPr marL="0" indent="0">
+              <a:buNone/>
+            </a:pPr>
+            <a:r>
+              <a:rPr lang="pl-PL" sz="2000" b="1" dirty="0"/>
+              <a:t>3. Wybierz plik</a:t>
+            </a:r>
+          </a:p>
+        </p:txBody>
+      </p:sp>
+      <p:sp>
+        <p:nvSpPr>
+          <p:cNvPr id="8" name="Symbol zastępczy zawartości 2">
+            <a:extLst>
+              <a:ext uri="{FF2B5EF4-FFF2-40B4-BE49-F238E27FC236}">
+                <a16:creationId xmlns:a16="http://schemas.microsoft.com/office/drawing/2014/main" id="{46603996-7A36-121F-452C-634851B05982}"/>
+              </a:ext>
+            </a:extLst>
+          </p:cNvPr>
+          <p:cNvSpPr txBox="1">
+            <a:spLocks/>
+          </p:cNvSpPr>
+          <p:nvPr/>
+        </p:nvSpPr>
+        <p:spPr>
+          <a:xfrm>
+            <a:off x="8189827" y="6042861"/>
+            <a:ext cx="3753066" cy="614186"/>
+          </a:xfrm>
+          <a:prstGeom prst="rect">
+            <a:avLst/>
+          </a:prstGeom>
+        </p:spPr>
+        <p:txBody>
+          <a:bodyPr vert="horz" lIns="91440" tIns="45720" rIns="91440" bIns="45720" rtlCol="0">
+            <a:normAutofit fontScale="85000" lnSpcReduction="10000"/>
+          </a:bodyPr>
+          <a:lstStyle>
+            <a:lvl1pPr marL="228600" indent="-228600" algn="l" defTabSz="914400" rtl="0" eaLnBrk="1" latinLnBrk="0" hangingPunct="1">
+              <a:lnSpc>
+                <a:spcPct val="110000"/>
+              </a:lnSpc>
+              <a:spcBef>
+                <a:spcPts val="1000"/>
+              </a:spcBef>
+              <a:buClr>
+                <a:schemeClr val="accent1"/>
+              </a:buClr>
+              <a:buFont typeface="Arial" panose="020B0604020202020204" pitchFamily="34" charset="0"/>
+              <a:buChar char="•"/>
+              <a:defRPr sz="2800" kern="1200">
+                <a:solidFill>
+                  <a:schemeClr val="bg1"/>
+                </a:solidFill>
+                <a:latin typeface="+mn-lt"/>
+                <a:ea typeface="+mn-ea"/>
+                <a:cs typeface="+mn-cs"/>
+              </a:defRPr>
+            </a:lvl1pPr>
+            <a:lvl2pPr marL="685800" indent="-228600" algn="l" defTabSz="914400" rtl="0" eaLnBrk="1" latinLnBrk="0" hangingPunct="1">
+              <a:lnSpc>
+                <a:spcPct val="110000"/>
+              </a:lnSpc>
+              <a:spcBef>
+                <a:spcPts val="500"/>
+              </a:spcBef>
+              <a:buClr>
+                <a:schemeClr val="accent1"/>
+              </a:buClr>
+              <a:buFont typeface="Arial" panose="020B0604020202020204" pitchFamily="34" charset="0"/>
+              <a:buChar char="•"/>
+              <a:defRPr sz="2400" kern="1200">
+                <a:solidFill>
+                  <a:schemeClr val="bg1"/>
+                </a:solidFill>
+                <a:latin typeface="+mn-lt"/>
+                <a:ea typeface="+mn-ea"/>
+                <a:cs typeface="+mn-cs"/>
+              </a:defRPr>
+            </a:lvl2pPr>
+            <a:lvl3pPr marL="1143000" indent="-228600" algn="l" defTabSz="914400" rtl="0" eaLnBrk="1" latinLnBrk="0" hangingPunct="1">
+              <a:lnSpc>
+                <a:spcPct val="110000"/>
+              </a:lnSpc>
+              <a:spcBef>
+                <a:spcPts val="500"/>
+              </a:spcBef>
+              <a:buClr>
+                <a:schemeClr val="accent1"/>
+              </a:buClr>
+              <a:buFont typeface="Arial" panose="020B0604020202020204" pitchFamily="34" charset="0"/>
+              <a:buChar char="•"/>
+              <a:defRPr sz="2000" kern="1200">
+                <a:solidFill>
+                  <a:schemeClr val="bg1"/>
+                </a:solidFill>
+                <a:latin typeface="+mn-lt"/>
+                <a:ea typeface="+mn-ea"/>
+                <a:cs typeface="+mn-cs"/>
+              </a:defRPr>
+            </a:lvl3pPr>
+            <a:lvl4pPr marL="1600200" indent="-228600" algn="l" defTabSz="914400" rtl="0" eaLnBrk="1" latinLnBrk="0" hangingPunct="1">
+              <a:lnSpc>
+                <a:spcPct val="110000"/>
+              </a:lnSpc>
+              <a:spcBef>
+                <a:spcPts val="500"/>
+              </a:spcBef>
+              <a:buClr>
+                <a:schemeClr val="accent1"/>
+              </a:buClr>
+              <a:buFont typeface="Arial" panose="020B0604020202020204" pitchFamily="34" charset="0"/>
+              <a:buChar char="•"/>
+              <a:defRPr sz="1800" kern="1200">
+                <a:solidFill>
+                  <a:schemeClr val="bg1"/>
+                </a:solidFill>
+                <a:latin typeface="+mn-lt"/>
+                <a:ea typeface="+mn-ea"/>
+                <a:cs typeface="+mn-cs"/>
+              </a:defRPr>
+            </a:lvl4pPr>
+            <a:lvl5pPr marL="2057400" indent="-228600" algn="l" defTabSz="914400" rtl="0" eaLnBrk="1" latinLnBrk="0" hangingPunct="1">
+              <a:lnSpc>
+                <a:spcPct val="110000"/>
+              </a:lnSpc>
+              <a:spcBef>
+                <a:spcPts val="500"/>
+              </a:spcBef>
+              <a:buClr>
+                <a:schemeClr val="accent1"/>
+              </a:buClr>
+              <a:buFont typeface="Arial" panose="020B0604020202020204" pitchFamily="34" charset="0"/>
+              <a:buChar char="•"/>
+              <a:defRPr sz="1800" kern="1200">
+                <a:solidFill>
+                  <a:schemeClr val="bg1"/>
+                </a:solidFill>
+                <a:latin typeface="+mn-lt"/>
+                <a:ea typeface="+mn-ea"/>
+                <a:cs typeface="+mn-cs"/>
+              </a:defRPr>
+            </a:lvl5pPr>
+            <a:lvl6pPr marL="2514600" indent="-228600" algn="l" defTabSz="914400" rtl="0" eaLnBrk="1" latinLnBrk="0" hangingPunct="1">
+              <a:lnSpc>
+                <a:spcPct val="90000"/>
+              </a:lnSpc>
+              <a:spcBef>
+                <a:spcPts val="500"/>
+              </a:spcBef>
+              <a:buFont typeface="Arial" panose="020B0604020202020204" pitchFamily="34" charset="0"/>
+              <a:buChar char="•"/>
+              <a:defRPr sz="1800" kern="1200">
+                <a:solidFill>
+                  <a:schemeClr val="tx1"/>
+                </a:solidFill>
+                <a:latin typeface="+mn-lt"/>
+                <a:ea typeface="+mn-ea"/>
+                <a:cs typeface="+mn-cs"/>
+              </a:defRPr>
+            </a:lvl6pPr>
+            <a:lvl7pPr marL="2971800" indent="-228600" algn="l" defTabSz="914400" rtl="0" eaLnBrk="1" latinLnBrk="0" hangingPunct="1">
+              <a:lnSpc>
+                <a:spcPct val="90000"/>
+              </a:lnSpc>
+              <a:spcBef>
+                <a:spcPts val="500"/>
+              </a:spcBef>
+              <a:buFont typeface="Arial" panose="020B0604020202020204" pitchFamily="34" charset="0"/>
+              <a:buChar char="•"/>
+              <a:defRPr sz="1800" kern="1200">
+                <a:solidFill>
+                  <a:schemeClr val="tx1"/>
+                </a:solidFill>
+                <a:latin typeface="+mn-lt"/>
+                <a:ea typeface="+mn-ea"/>
+                <a:cs typeface="+mn-cs"/>
+              </a:defRPr>
+            </a:lvl7pPr>
+            <a:lvl8pPr marL="3429000" indent="-228600" algn="l" defTabSz="914400" rtl="0" eaLnBrk="1" latinLnBrk="0" hangingPunct="1">
+              <a:lnSpc>
+                <a:spcPct val="90000"/>
+              </a:lnSpc>
+              <a:spcBef>
+                <a:spcPts val="500"/>
+              </a:spcBef>
+              <a:buFont typeface="Arial" panose="020B0604020202020204" pitchFamily="34" charset="0"/>
+              <a:buChar char="•"/>
+              <a:defRPr sz="1800" kern="1200">
+                <a:solidFill>
+                  <a:schemeClr val="tx1"/>
+                </a:solidFill>
+                <a:latin typeface="+mn-lt"/>
+                <a:ea typeface="+mn-ea"/>
+                <a:cs typeface="+mn-cs"/>
+              </a:defRPr>
+            </a:lvl8pPr>
+            <a:lvl9pPr marL="3886200" indent="-228600" algn="l" defTabSz="914400" rtl="0" eaLnBrk="1" latinLnBrk="0" hangingPunct="1">
+              <a:lnSpc>
+                <a:spcPct val="90000"/>
+              </a:lnSpc>
+              <a:spcBef>
+                <a:spcPts val="500"/>
+              </a:spcBef>
+              <a:buFont typeface="Arial" panose="020B0604020202020204" pitchFamily="34" charset="0"/>
+              <a:buChar char="•"/>
+              <a:defRPr sz="1800" kern="1200">
+                <a:solidFill>
+                  <a:schemeClr val="tx1"/>
+                </a:solidFill>
+                <a:latin typeface="+mn-lt"/>
+                <a:ea typeface="+mn-ea"/>
+                <a:cs typeface="+mn-cs"/>
+              </a:defRPr>
+            </a:lvl9pPr>
+          </a:lstStyle>
+          <a:p>
+            <a:pPr marL="0" indent="0">
+              <a:buFont typeface="Arial" panose="020B0604020202020204" pitchFamily="34" charset="0"/>
+              <a:buNone/>
+            </a:pPr>
+            <a:r>
+              <a:rPr lang="pl-PL" b="1" dirty="0"/>
+              <a:t>4. Kliknij w ten przycisk</a:t>
+            </a:r>
+          </a:p>
+        </p:txBody>
+      </p:sp>
+      <p:sp>
+        <p:nvSpPr>
+          <p:cNvPr id="10" name="Symbol zastępczy zawartości 2">
+            <a:extLst>
+              <a:ext uri="{FF2B5EF4-FFF2-40B4-BE49-F238E27FC236}">
+                <a16:creationId xmlns:a16="http://schemas.microsoft.com/office/drawing/2014/main" id="{C4863FC7-A9D8-B474-AA21-A75A292D690E}"/>
+              </a:ext>
+            </a:extLst>
+          </p:cNvPr>
+          <p:cNvSpPr txBox="1">
+            <a:spLocks/>
+          </p:cNvSpPr>
+          <p:nvPr/>
+        </p:nvSpPr>
+        <p:spPr>
+          <a:xfrm>
+            <a:off x="353437" y="5993920"/>
+            <a:ext cx="3274831" cy="614186"/>
+          </a:xfrm>
+          <a:prstGeom prst="rect">
+            <a:avLst/>
+          </a:prstGeom>
+        </p:spPr>
+        <p:txBody>
+          <a:bodyPr vert="horz" lIns="91440" tIns="45720" rIns="91440" bIns="45720" rtlCol="0">
+            <a:normAutofit fontScale="85000" lnSpcReduction="10000"/>
+          </a:bodyPr>
+          <a:lstStyle>
+            <a:lvl1pPr marL="228600" indent="-228600" algn="l" defTabSz="914400" rtl="0" eaLnBrk="1" latinLnBrk="0" hangingPunct="1">
+              <a:lnSpc>
+                <a:spcPct val="110000"/>
+              </a:lnSpc>
+              <a:spcBef>
+                <a:spcPts val="1000"/>
+              </a:spcBef>
+              <a:buClr>
+                <a:schemeClr val="accent1"/>
+              </a:buClr>
+              <a:buFont typeface="Arial" panose="020B0604020202020204" pitchFamily="34" charset="0"/>
+              <a:buChar char="•"/>
+              <a:defRPr sz="2800" kern="1200">
+                <a:solidFill>
+                  <a:schemeClr val="bg1"/>
+                </a:solidFill>
+                <a:latin typeface="+mn-lt"/>
+                <a:ea typeface="+mn-ea"/>
+                <a:cs typeface="+mn-cs"/>
+              </a:defRPr>
+            </a:lvl1pPr>
+            <a:lvl2pPr marL="685800" indent="-228600" algn="l" defTabSz="914400" rtl="0" eaLnBrk="1" latinLnBrk="0" hangingPunct="1">
+              <a:lnSpc>
+                <a:spcPct val="110000"/>
+              </a:lnSpc>
+              <a:spcBef>
+                <a:spcPts val="500"/>
+              </a:spcBef>
+              <a:buClr>
+                <a:schemeClr val="accent1"/>
+              </a:buClr>
+              <a:buFont typeface="Arial" panose="020B0604020202020204" pitchFamily="34" charset="0"/>
+              <a:buChar char="•"/>
+              <a:defRPr sz="2400" kern="1200">
+                <a:solidFill>
+                  <a:schemeClr val="bg1"/>
+                </a:solidFill>
+                <a:latin typeface="+mn-lt"/>
+                <a:ea typeface="+mn-ea"/>
+                <a:cs typeface="+mn-cs"/>
+              </a:defRPr>
+            </a:lvl2pPr>
+            <a:lvl3pPr marL="1143000" indent="-228600" algn="l" defTabSz="914400" rtl="0" eaLnBrk="1" latinLnBrk="0" hangingPunct="1">
+              <a:lnSpc>
+                <a:spcPct val="110000"/>
+              </a:lnSpc>
+              <a:spcBef>
+                <a:spcPts val="500"/>
+              </a:spcBef>
+              <a:buClr>
+                <a:schemeClr val="accent1"/>
+              </a:buClr>
+              <a:buFont typeface="Arial" panose="020B0604020202020204" pitchFamily="34" charset="0"/>
+              <a:buChar char="•"/>
+              <a:defRPr sz="2000" kern="1200">
+                <a:solidFill>
+                  <a:schemeClr val="bg1"/>
+                </a:solidFill>
+                <a:latin typeface="+mn-lt"/>
+                <a:ea typeface="+mn-ea"/>
+                <a:cs typeface="+mn-cs"/>
+              </a:defRPr>
+            </a:lvl3pPr>
+            <a:lvl4pPr marL="1600200" indent="-228600" algn="l" defTabSz="914400" rtl="0" eaLnBrk="1" latinLnBrk="0" hangingPunct="1">
+              <a:lnSpc>
+                <a:spcPct val="110000"/>
+              </a:lnSpc>
+              <a:spcBef>
+                <a:spcPts val="500"/>
+              </a:spcBef>
+              <a:buClr>
+                <a:schemeClr val="accent1"/>
+              </a:buClr>
+              <a:buFont typeface="Arial" panose="020B0604020202020204" pitchFamily="34" charset="0"/>
+              <a:buChar char="•"/>
+              <a:defRPr sz="1800" kern="1200">
+                <a:solidFill>
+                  <a:schemeClr val="bg1"/>
+                </a:solidFill>
+                <a:latin typeface="+mn-lt"/>
+                <a:ea typeface="+mn-ea"/>
+                <a:cs typeface="+mn-cs"/>
+              </a:defRPr>
+            </a:lvl4pPr>
+            <a:lvl5pPr marL="2057400" indent="-228600" algn="l" defTabSz="914400" rtl="0" eaLnBrk="1" latinLnBrk="0" hangingPunct="1">
+              <a:lnSpc>
+                <a:spcPct val="110000"/>
+              </a:lnSpc>
+              <a:spcBef>
+                <a:spcPts val="500"/>
+              </a:spcBef>
+              <a:buClr>
+                <a:schemeClr val="accent1"/>
+              </a:buClr>
+              <a:buFont typeface="Arial" panose="020B0604020202020204" pitchFamily="34" charset="0"/>
+              <a:buChar char="•"/>
+              <a:defRPr sz="1800" kern="1200">
+                <a:solidFill>
+                  <a:schemeClr val="bg1"/>
+                </a:solidFill>
+                <a:latin typeface="+mn-lt"/>
+                <a:ea typeface="+mn-ea"/>
+                <a:cs typeface="+mn-cs"/>
+              </a:defRPr>
+            </a:lvl5pPr>
+            <a:lvl6pPr marL="2514600" indent="-228600" algn="l" defTabSz="914400" rtl="0" eaLnBrk="1" latinLnBrk="0" hangingPunct="1">
+              <a:lnSpc>
+                <a:spcPct val="90000"/>
+              </a:lnSpc>
+              <a:spcBef>
+                <a:spcPts val="500"/>
+              </a:spcBef>
+              <a:buFont typeface="Arial" panose="020B0604020202020204" pitchFamily="34" charset="0"/>
+              <a:buChar char="•"/>
+              <a:defRPr sz="1800" kern="1200">
+                <a:solidFill>
+                  <a:schemeClr val="tx1"/>
+                </a:solidFill>
+                <a:latin typeface="+mn-lt"/>
+                <a:ea typeface="+mn-ea"/>
+                <a:cs typeface="+mn-cs"/>
+              </a:defRPr>
+            </a:lvl6pPr>
+            <a:lvl7pPr marL="2971800" indent="-228600" algn="l" defTabSz="914400" rtl="0" eaLnBrk="1" latinLnBrk="0" hangingPunct="1">
+              <a:lnSpc>
+                <a:spcPct val="90000"/>
+              </a:lnSpc>
+              <a:spcBef>
+                <a:spcPts val="500"/>
+              </a:spcBef>
+              <a:buFont typeface="Arial" panose="020B0604020202020204" pitchFamily="34" charset="0"/>
+              <a:buChar char="•"/>
+              <a:defRPr sz="1800" kern="1200">
+                <a:solidFill>
+                  <a:schemeClr val="tx1"/>
+                </a:solidFill>
+                <a:latin typeface="+mn-lt"/>
+                <a:ea typeface="+mn-ea"/>
+                <a:cs typeface="+mn-cs"/>
+              </a:defRPr>
+            </a:lvl7pPr>
+            <a:lvl8pPr marL="3429000" indent="-228600" algn="l" defTabSz="914400" rtl="0" eaLnBrk="1" latinLnBrk="0" hangingPunct="1">
+              <a:lnSpc>
+                <a:spcPct val="90000"/>
+              </a:lnSpc>
+              <a:spcBef>
+                <a:spcPts val="500"/>
+              </a:spcBef>
+              <a:buFont typeface="Arial" panose="020B0604020202020204" pitchFamily="34" charset="0"/>
+              <a:buChar char="•"/>
+              <a:defRPr sz="1800" kern="1200">
+                <a:solidFill>
+                  <a:schemeClr val="tx1"/>
+                </a:solidFill>
+                <a:latin typeface="+mn-lt"/>
+                <a:ea typeface="+mn-ea"/>
+                <a:cs typeface="+mn-cs"/>
+              </a:defRPr>
+            </a:lvl8pPr>
+            <a:lvl9pPr marL="3886200" indent="-228600" algn="l" defTabSz="914400" rtl="0" eaLnBrk="1" latinLnBrk="0" hangingPunct="1">
+              <a:lnSpc>
+                <a:spcPct val="90000"/>
+              </a:lnSpc>
+              <a:spcBef>
+                <a:spcPts val="500"/>
+              </a:spcBef>
+              <a:buFont typeface="Arial" panose="020B0604020202020204" pitchFamily="34" charset="0"/>
+              <a:buChar char="•"/>
+              <a:defRPr sz="1800" kern="1200">
+                <a:solidFill>
+                  <a:schemeClr val="tx1"/>
+                </a:solidFill>
+                <a:latin typeface="+mn-lt"/>
+                <a:ea typeface="+mn-ea"/>
+                <a:cs typeface="+mn-cs"/>
+              </a:defRPr>
+            </a:lvl9pPr>
+          </a:lstStyle>
+          <a:p>
+            <a:pPr marL="0" indent="0">
+              <a:buFont typeface="Arial" panose="020B0604020202020204" pitchFamily="34" charset="0"/>
+              <a:buNone/>
+            </a:pPr>
+            <a:r>
+              <a:rPr lang="pl-PL" sz="2000" b="1" dirty="0"/>
+              <a:t>5. Sprawdź do jakich kategorii pasuje twój tekst</a:t>
+            </a:r>
+          </a:p>
+        </p:txBody>
+      </p:sp>
+      <p:sp>
+        <p:nvSpPr>
+          <p:cNvPr id="12" name="Symbol zastępczy zawartości 2">
+            <a:extLst>
+              <a:ext uri="{FF2B5EF4-FFF2-40B4-BE49-F238E27FC236}">
+                <a16:creationId xmlns:a16="http://schemas.microsoft.com/office/drawing/2014/main" id="{A66D046D-495A-DA4F-FF0B-3E7FCF865971}"/>
+              </a:ext>
+            </a:extLst>
+          </p:cNvPr>
+          <p:cNvSpPr txBox="1">
+            <a:spLocks/>
+          </p:cNvSpPr>
+          <p:nvPr/>
+        </p:nvSpPr>
+        <p:spPr>
+          <a:xfrm>
+            <a:off x="9850071" y="1320654"/>
+            <a:ext cx="3274831" cy="614186"/>
+          </a:xfrm>
+          <a:prstGeom prst="rect">
+            <a:avLst/>
+          </a:prstGeom>
+        </p:spPr>
+        <p:txBody>
+          <a:bodyPr vert="horz" lIns="91440" tIns="45720" rIns="91440" bIns="45720" rtlCol="0">
+            <a:normAutofit/>
+          </a:bodyPr>
+          <a:lstStyle>
+            <a:lvl1pPr marL="228600" indent="-228600" algn="l" defTabSz="914400" rtl="0" eaLnBrk="1" latinLnBrk="0" hangingPunct="1">
+              <a:lnSpc>
+                <a:spcPct val="110000"/>
+              </a:lnSpc>
+              <a:spcBef>
+                <a:spcPts val="1000"/>
+              </a:spcBef>
+              <a:buClr>
+                <a:schemeClr val="accent1"/>
+              </a:buClr>
+              <a:buFont typeface="Arial" panose="020B0604020202020204" pitchFamily="34" charset="0"/>
+              <a:buChar char="•"/>
+              <a:defRPr sz="2800" kern="1200">
+                <a:solidFill>
+                  <a:schemeClr val="bg1"/>
+                </a:solidFill>
+                <a:latin typeface="+mn-lt"/>
+                <a:ea typeface="+mn-ea"/>
+                <a:cs typeface="+mn-cs"/>
+              </a:defRPr>
+            </a:lvl1pPr>
+            <a:lvl2pPr marL="685800" indent="-228600" algn="l" defTabSz="914400" rtl="0" eaLnBrk="1" latinLnBrk="0" hangingPunct="1">
+              <a:lnSpc>
+                <a:spcPct val="110000"/>
+              </a:lnSpc>
+              <a:spcBef>
+                <a:spcPts val="500"/>
+              </a:spcBef>
+              <a:buClr>
+                <a:schemeClr val="accent1"/>
+              </a:buClr>
+              <a:buFont typeface="Arial" panose="020B0604020202020204" pitchFamily="34" charset="0"/>
+              <a:buChar char="•"/>
+              <a:defRPr sz="2400" kern="1200">
+                <a:solidFill>
+                  <a:schemeClr val="bg1"/>
+                </a:solidFill>
+                <a:latin typeface="+mn-lt"/>
+                <a:ea typeface="+mn-ea"/>
+                <a:cs typeface="+mn-cs"/>
+              </a:defRPr>
+            </a:lvl2pPr>
+            <a:lvl3pPr marL="1143000" indent="-228600" algn="l" defTabSz="914400" rtl="0" eaLnBrk="1" latinLnBrk="0" hangingPunct="1">
+              <a:lnSpc>
+                <a:spcPct val="110000"/>
+              </a:lnSpc>
+              <a:spcBef>
+                <a:spcPts val="500"/>
+              </a:spcBef>
+              <a:buClr>
+                <a:schemeClr val="accent1"/>
+              </a:buClr>
+              <a:buFont typeface="Arial" panose="020B0604020202020204" pitchFamily="34" charset="0"/>
+              <a:buChar char="•"/>
+              <a:defRPr sz="2000" kern="1200">
+                <a:solidFill>
+                  <a:schemeClr val="bg1"/>
+                </a:solidFill>
+                <a:latin typeface="+mn-lt"/>
+                <a:ea typeface="+mn-ea"/>
+                <a:cs typeface="+mn-cs"/>
+              </a:defRPr>
+            </a:lvl3pPr>
+            <a:lvl4pPr marL="1600200" indent="-228600" algn="l" defTabSz="914400" rtl="0" eaLnBrk="1" latinLnBrk="0" hangingPunct="1">
+              <a:lnSpc>
+                <a:spcPct val="110000"/>
+              </a:lnSpc>
+              <a:spcBef>
+                <a:spcPts val="500"/>
+              </a:spcBef>
+              <a:buClr>
+                <a:schemeClr val="accent1"/>
+              </a:buClr>
+              <a:buFont typeface="Arial" panose="020B0604020202020204" pitchFamily="34" charset="0"/>
+              <a:buChar char="•"/>
+              <a:defRPr sz="1800" kern="1200">
+                <a:solidFill>
+                  <a:schemeClr val="bg1"/>
+                </a:solidFill>
+                <a:latin typeface="+mn-lt"/>
+                <a:ea typeface="+mn-ea"/>
+                <a:cs typeface="+mn-cs"/>
+              </a:defRPr>
+            </a:lvl4pPr>
+            <a:lvl5pPr marL="2057400" indent="-228600" algn="l" defTabSz="914400" rtl="0" eaLnBrk="1" latinLnBrk="0" hangingPunct="1">
+              <a:lnSpc>
+                <a:spcPct val="110000"/>
+              </a:lnSpc>
+              <a:spcBef>
+                <a:spcPts val="500"/>
+              </a:spcBef>
+              <a:buClr>
+                <a:schemeClr val="accent1"/>
+              </a:buClr>
+              <a:buFont typeface="Arial" panose="020B0604020202020204" pitchFamily="34" charset="0"/>
+              <a:buChar char="•"/>
+              <a:defRPr sz="1800" kern="1200">
+                <a:solidFill>
+                  <a:schemeClr val="bg1"/>
+                </a:solidFill>
+                <a:latin typeface="+mn-lt"/>
+                <a:ea typeface="+mn-ea"/>
+                <a:cs typeface="+mn-cs"/>
+              </a:defRPr>
+            </a:lvl5pPr>
+            <a:lvl6pPr marL="2514600" indent="-228600" algn="l" defTabSz="914400" rtl="0" eaLnBrk="1" latinLnBrk="0" hangingPunct="1">
+              <a:lnSpc>
+                <a:spcPct val="90000"/>
+              </a:lnSpc>
+              <a:spcBef>
+                <a:spcPts val="500"/>
+              </a:spcBef>
+              <a:buFont typeface="Arial" panose="020B0604020202020204" pitchFamily="34" charset="0"/>
+              <a:buChar char="•"/>
+              <a:defRPr sz="1800" kern="1200">
+                <a:solidFill>
+                  <a:schemeClr val="tx1"/>
+                </a:solidFill>
+                <a:latin typeface="+mn-lt"/>
+                <a:ea typeface="+mn-ea"/>
+                <a:cs typeface="+mn-cs"/>
+              </a:defRPr>
+            </a:lvl6pPr>
+            <a:lvl7pPr marL="2971800" indent="-228600" algn="l" defTabSz="914400" rtl="0" eaLnBrk="1" latinLnBrk="0" hangingPunct="1">
+              <a:lnSpc>
+                <a:spcPct val="90000"/>
+              </a:lnSpc>
+              <a:spcBef>
+                <a:spcPts val="500"/>
+              </a:spcBef>
+              <a:buFont typeface="Arial" panose="020B0604020202020204" pitchFamily="34" charset="0"/>
+              <a:buChar char="•"/>
+              <a:defRPr sz="1800" kern="1200">
+                <a:solidFill>
+                  <a:schemeClr val="tx1"/>
+                </a:solidFill>
+                <a:latin typeface="+mn-lt"/>
+                <a:ea typeface="+mn-ea"/>
+                <a:cs typeface="+mn-cs"/>
+              </a:defRPr>
+            </a:lvl7pPr>
+            <a:lvl8pPr marL="3429000" indent="-228600" algn="l" defTabSz="914400" rtl="0" eaLnBrk="1" latinLnBrk="0" hangingPunct="1">
+              <a:lnSpc>
+                <a:spcPct val="90000"/>
+              </a:lnSpc>
+              <a:spcBef>
+                <a:spcPts val="500"/>
+              </a:spcBef>
+              <a:buFont typeface="Arial" panose="020B0604020202020204" pitchFamily="34" charset="0"/>
+              <a:buChar char="•"/>
+              <a:defRPr sz="1800" kern="1200">
+                <a:solidFill>
+                  <a:schemeClr val="tx1"/>
+                </a:solidFill>
+                <a:latin typeface="+mn-lt"/>
+                <a:ea typeface="+mn-ea"/>
+                <a:cs typeface="+mn-cs"/>
+              </a:defRPr>
+            </a:lvl8pPr>
+            <a:lvl9pPr marL="3886200" indent="-228600" algn="l" defTabSz="914400" rtl="0" eaLnBrk="1" latinLnBrk="0" hangingPunct="1">
+              <a:lnSpc>
+                <a:spcPct val="90000"/>
+              </a:lnSpc>
+              <a:spcBef>
+                <a:spcPts val="500"/>
+              </a:spcBef>
+              <a:buFont typeface="Arial" panose="020B0604020202020204" pitchFamily="34" charset="0"/>
+              <a:buChar char="•"/>
+              <a:defRPr sz="1800" kern="1200">
+                <a:solidFill>
+                  <a:schemeClr val="tx1"/>
+                </a:solidFill>
+                <a:latin typeface="+mn-lt"/>
+                <a:ea typeface="+mn-ea"/>
+                <a:cs typeface="+mn-cs"/>
+              </a:defRPr>
+            </a:lvl9pPr>
+          </a:lstStyle>
+          <a:p>
+            <a:pPr marL="0" indent="0">
+              <a:buFont typeface="Arial" panose="020B0604020202020204" pitchFamily="34" charset="0"/>
+              <a:buNone/>
+            </a:pPr>
+            <a:r>
+              <a:rPr lang="pl-PL" sz="2000" b="1" dirty="0"/>
+              <a:t>1. Wybierz język</a:t>
+            </a:r>
+          </a:p>
+        </p:txBody>
+      </p:sp>
       <p:pic>
         <p:nvPicPr>
-          <p:cNvPr id="15" name="Obraz 14">
-            <a:extLst>
-              <a:ext uri="{FF2B5EF4-FFF2-40B4-BE49-F238E27FC236}">
-                <a16:creationId xmlns:a16="http://schemas.microsoft.com/office/drawing/2014/main" id="{5BD9CD7E-B6CA-B718-7090-E2D699CFCC14}"/>
+          <p:cNvPr id="5" name="Picture 4">
+            <a:extLst>
+              <a:ext uri="{FF2B5EF4-FFF2-40B4-BE49-F238E27FC236}">
+                <a16:creationId xmlns:a16="http://schemas.microsoft.com/office/drawing/2014/main" id="{8E08F9DE-F794-F9CB-6549-C1DF0C604829}"/>
               </a:ext>
             </a:extLst>
           </p:cNvPr>
@@ -4923,8 +5901,8 @@
         </p:blipFill>
         <p:spPr>
           <a:xfrm>
-            <a:off x="2676525" y="2028354"/>
-            <a:ext cx="6838950" cy="3867150"/>
+            <a:off x="2950349" y="2096320"/>
+            <a:ext cx="6830378" cy="3848637"/>
           </a:xfrm>
           <a:prstGeom prst="rect">
             <a:avLst/>
@@ -4933,77 +5911,10 @@
       </p:pic>
       <p:sp>
         <p:nvSpPr>
-          <p:cNvPr id="2" name="Tytuł 1">
-            <a:extLst>
-              <a:ext uri="{FF2B5EF4-FFF2-40B4-BE49-F238E27FC236}">
-                <a16:creationId xmlns:a16="http://schemas.microsoft.com/office/drawing/2014/main" id="{A263B156-1D67-853A-EE7A-DE734F9E21FE}"/>
-              </a:ext>
-            </a:extLst>
-          </p:cNvPr>
-          <p:cNvSpPr>
-            <a:spLocks noGrp="1"/>
-          </p:cNvSpPr>
-          <p:nvPr>
-            <p:ph type="title"/>
-          </p:nvPr>
-        </p:nvSpPr>
-        <p:spPr/>
-        <p:txBody>
-          <a:bodyPr/>
-          <a:lstStyle/>
-          <a:p>
-            <a:pPr algn="ctr"/>
-            <a:r>
-              <a:rPr lang="pl-PL" dirty="0"/>
-              <a:t>Klasyfikacja przy pomocy pliku</a:t>
-            </a:r>
-          </a:p>
-        </p:txBody>
-      </p:sp>
-      <p:sp>
-        <p:nvSpPr>
-          <p:cNvPr id="3" name="Symbol zastępczy zawartości 2">
-            <a:extLst>
-              <a:ext uri="{FF2B5EF4-FFF2-40B4-BE49-F238E27FC236}">
-                <a16:creationId xmlns:a16="http://schemas.microsoft.com/office/drawing/2014/main" id="{D4CCD59A-27D4-2E7E-255C-D85085678F14}"/>
-              </a:ext>
-            </a:extLst>
-          </p:cNvPr>
-          <p:cNvSpPr>
-            <a:spLocks noGrp="1"/>
-          </p:cNvSpPr>
-          <p:nvPr>
-            <p:ph idx="1"/>
-          </p:nvPr>
-        </p:nvSpPr>
-        <p:spPr>
-          <a:xfrm>
-            <a:off x="491826" y="2137404"/>
-            <a:ext cx="3274831" cy="614186"/>
-          </a:xfrm>
-        </p:spPr>
-        <p:txBody>
-          <a:bodyPr>
-            <a:normAutofit/>
-          </a:bodyPr>
-          <a:lstStyle/>
-          <a:p>
-            <a:pPr marL="0" indent="0">
-              <a:buNone/>
-            </a:pPr>
-            <a:r>
-              <a:rPr lang="pl-PL" sz="2000" b="1" dirty="0"/>
-              <a:t>2. Wybierz plik</a:t>
-            </a:r>
-          </a:p>
-        </p:txBody>
-      </p:sp>
-      <p:sp>
-        <p:nvSpPr>
-          <p:cNvPr id="6" name="Strzałka: w prawo 5">
-            <a:extLst>
-              <a:ext uri="{FF2B5EF4-FFF2-40B4-BE49-F238E27FC236}">
-                <a16:creationId xmlns:a16="http://schemas.microsoft.com/office/drawing/2014/main" id="{7341D722-7D19-73E3-2F9C-F058A6B21A30}"/>
+          <p:cNvPr id="11" name="Strzałka: w prawo 12">
+            <a:extLst>
+              <a:ext uri="{FF2B5EF4-FFF2-40B4-BE49-F238E27FC236}">
+                <a16:creationId xmlns:a16="http://schemas.microsoft.com/office/drawing/2014/main" id="{8CAA5D64-018F-09C6-DD3A-CE052F15685A}"/>
               </a:ext>
             </a:extLst>
           </p:cNvPr>
@@ -5011,8 +5922,54 @@
           <p:nvPr/>
         </p:nvSpPr>
         <p:spPr>
-          <a:xfrm rot="1903173">
-            <a:off x="1468074" y="2768366"/>
+          <a:xfrm rot="10996384">
+            <a:off x="7254320" y="2804810"/>
+            <a:ext cx="2777184" cy="660633"/>
+          </a:xfrm>
+          <a:prstGeom prst="rightArrow">
+            <a:avLst/>
+          </a:prstGeom>
+        </p:spPr>
+        <p:style>
+          <a:lnRef idx="2">
+            <a:schemeClr val="accent1">
+              <a:shade val="15000"/>
+            </a:schemeClr>
+          </a:lnRef>
+          <a:fillRef idx="1">
+            <a:schemeClr val="accent1"/>
+          </a:fillRef>
+          <a:effectRef idx="0">
+            <a:schemeClr val="accent1"/>
+          </a:effectRef>
+          <a:fontRef idx="minor">
+            <a:schemeClr val="lt1"/>
+          </a:fontRef>
+        </p:style>
+        <p:txBody>
+          <a:bodyPr rtlCol="0" anchor="ctr"/>
+          <a:lstStyle/>
+          <a:p>
+            <a:pPr algn="ctr"/>
+            <a:endParaRPr lang="pl-PL"/>
+          </a:p>
+        </p:txBody>
+      </p:sp>
+      <p:sp>
+        <p:nvSpPr>
+          <p:cNvPr id="14" name="Strzałka: w prawo 6">
+            <a:extLst>
+              <a:ext uri="{FF2B5EF4-FFF2-40B4-BE49-F238E27FC236}">
+                <a16:creationId xmlns:a16="http://schemas.microsoft.com/office/drawing/2014/main" id="{E95A808B-56BA-B199-64C1-72382779709B}"/>
+              </a:ext>
+            </a:extLst>
+          </p:cNvPr>
+          <p:cNvSpPr/>
+          <p:nvPr/>
+        </p:nvSpPr>
+        <p:spPr>
+          <a:xfrm rot="13666940">
+            <a:off x="9052861" y="4731015"/>
             <a:ext cx="1786855" cy="660633"/>
           </a:xfrm>
           <a:prstGeom prst="rightArrow">
@@ -5046,10 +6003,228 @@
       </p:sp>
       <p:sp>
         <p:nvSpPr>
-          <p:cNvPr id="7" name="Strzałka: w prawo 6">
-            <a:extLst>
-              <a:ext uri="{FF2B5EF4-FFF2-40B4-BE49-F238E27FC236}">
-                <a16:creationId xmlns:a16="http://schemas.microsoft.com/office/drawing/2014/main" id="{87000AFF-A7EC-223C-565E-66BB75280FA8}"/>
+          <p:cNvPr id="16" name="Symbol zastępczy zawartości 2">
+            <a:extLst>
+              <a:ext uri="{FF2B5EF4-FFF2-40B4-BE49-F238E27FC236}">
+                <a16:creationId xmlns:a16="http://schemas.microsoft.com/office/drawing/2014/main" id="{26D94402-E08D-340B-34B0-C1F8DB8C999D}"/>
+              </a:ext>
+            </a:extLst>
+          </p:cNvPr>
+          <p:cNvSpPr txBox="1">
+            <a:spLocks/>
+          </p:cNvSpPr>
+          <p:nvPr/>
+        </p:nvSpPr>
+        <p:spPr>
+          <a:xfrm>
+            <a:off x="10150493" y="2828033"/>
+            <a:ext cx="3274831" cy="614186"/>
+          </a:xfrm>
+          <a:prstGeom prst="rect">
+            <a:avLst/>
+          </a:prstGeom>
+        </p:spPr>
+        <p:txBody>
+          <a:bodyPr vert="horz" lIns="91440" tIns="45720" rIns="91440" bIns="45720" rtlCol="0">
+            <a:normAutofit/>
+          </a:bodyPr>
+          <a:lstStyle>
+            <a:lvl1pPr marL="228600" indent="-228600" algn="l" defTabSz="914400" rtl="0" eaLnBrk="1" latinLnBrk="0" hangingPunct="1">
+              <a:lnSpc>
+                <a:spcPct val="110000"/>
+              </a:lnSpc>
+              <a:spcBef>
+                <a:spcPts val="1000"/>
+              </a:spcBef>
+              <a:buClr>
+                <a:schemeClr val="accent1"/>
+              </a:buClr>
+              <a:buFont typeface="Arial" panose="020B0604020202020204" pitchFamily="34" charset="0"/>
+              <a:buChar char="•"/>
+              <a:defRPr sz="2800" kern="1200">
+                <a:solidFill>
+                  <a:schemeClr val="bg1"/>
+                </a:solidFill>
+                <a:latin typeface="+mn-lt"/>
+                <a:ea typeface="+mn-ea"/>
+                <a:cs typeface="+mn-cs"/>
+              </a:defRPr>
+            </a:lvl1pPr>
+            <a:lvl2pPr marL="685800" indent="-228600" algn="l" defTabSz="914400" rtl="0" eaLnBrk="1" latinLnBrk="0" hangingPunct="1">
+              <a:lnSpc>
+                <a:spcPct val="110000"/>
+              </a:lnSpc>
+              <a:spcBef>
+                <a:spcPts val="500"/>
+              </a:spcBef>
+              <a:buClr>
+                <a:schemeClr val="accent1"/>
+              </a:buClr>
+              <a:buFont typeface="Arial" panose="020B0604020202020204" pitchFamily="34" charset="0"/>
+              <a:buChar char="•"/>
+              <a:defRPr sz="2400" kern="1200">
+                <a:solidFill>
+                  <a:schemeClr val="bg1"/>
+                </a:solidFill>
+                <a:latin typeface="+mn-lt"/>
+                <a:ea typeface="+mn-ea"/>
+                <a:cs typeface="+mn-cs"/>
+              </a:defRPr>
+            </a:lvl2pPr>
+            <a:lvl3pPr marL="1143000" indent="-228600" algn="l" defTabSz="914400" rtl="0" eaLnBrk="1" latinLnBrk="0" hangingPunct="1">
+              <a:lnSpc>
+                <a:spcPct val="110000"/>
+              </a:lnSpc>
+              <a:spcBef>
+                <a:spcPts val="500"/>
+              </a:spcBef>
+              <a:buClr>
+                <a:schemeClr val="accent1"/>
+              </a:buClr>
+              <a:buFont typeface="Arial" panose="020B0604020202020204" pitchFamily="34" charset="0"/>
+              <a:buChar char="•"/>
+              <a:defRPr sz="2000" kern="1200">
+                <a:solidFill>
+                  <a:schemeClr val="bg1"/>
+                </a:solidFill>
+                <a:latin typeface="+mn-lt"/>
+                <a:ea typeface="+mn-ea"/>
+                <a:cs typeface="+mn-cs"/>
+              </a:defRPr>
+            </a:lvl3pPr>
+            <a:lvl4pPr marL="1600200" indent="-228600" algn="l" defTabSz="914400" rtl="0" eaLnBrk="1" latinLnBrk="0" hangingPunct="1">
+              <a:lnSpc>
+                <a:spcPct val="110000"/>
+              </a:lnSpc>
+              <a:spcBef>
+                <a:spcPts val="500"/>
+              </a:spcBef>
+              <a:buClr>
+                <a:schemeClr val="accent1"/>
+              </a:buClr>
+              <a:buFont typeface="Arial" panose="020B0604020202020204" pitchFamily="34" charset="0"/>
+              <a:buChar char="•"/>
+              <a:defRPr sz="1800" kern="1200">
+                <a:solidFill>
+                  <a:schemeClr val="bg1"/>
+                </a:solidFill>
+                <a:latin typeface="+mn-lt"/>
+                <a:ea typeface="+mn-ea"/>
+                <a:cs typeface="+mn-cs"/>
+              </a:defRPr>
+            </a:lvl4pPr>
+            <a:lvl5pPr marL="2057400" indent="-228600" algn="l" defTabSz="914400" rtl="0" eaLnBrk="1" latinLnBrk="0" hangingPunct="1">
+              <a:lnSpc>
+                <a:spcPct val="110000"/>
+              </a:lnSpc>
+              <a:spcBef>
+                <a:spcPts val="500"/>
+              </a:spcBef>
+              <a:buClr>
+                <a:schemeClr val="accent1"/>
+              </a:buClr>
+              <a:buFont typeface="Arial" panose="020B0604020202020204" pitchFamily="34" charset="0"/>
+              <a:buChar char="•"/>
+              <a:defRPr sz="1800" kern="1200">
+                <a:solidFill>
+                  <a:schemeClr val="bg1"/>
+                </a:solidFill>
+                <a:latin typeface="+mn-lt"/>
+                <a:ea typeface="+mn-ea"/>
+                <a:cs typeface="+mn-cs"/>
+              </a:defRPr>
+            </a:lvl5pPr>
+            <a:lvl6pPr marL="2514600" indent="-228600" algn="l" defTabSz="914400" rtl="0" eaLnBrk="1" latinLnBrk="0" hangingPunct="1">
+              <a:lnSpc>
+                <a:spcPct val="90000"/>
+              </a:lnSpc>
+              <a:spcBef>
+                <a:spcPts val="500"/>
+              </a:spcBef>
+              <a:buFont typeface="Arial" panose="020B0604020202020204" pitchFamily="34" charset="0"/>
+              <a:buChar char="•"/>
+              <a:defRPr sz="1800" kern="1200">
+                <a:solidFill>
+                  <a:schemeClr val="tx1"/>
+                </a:solidFill>
+                <a:latin typeface="+mn-lt"/>
+                <a:ea typeface="+mn-ea"/>
+                <a:cs typeface="+mn-cs"/>
+              </a:defRPr>
+            </a:lvl6pPr>
+            <a:lvl7pPr marL="2971800" indent="-228600" algn="l" defTabSz="914400" rtl="0" eaLnBrk="1" latinLnBrk="0" hangingPunct="1">
+              <a:lnSpc>
+                <a:spcPct val="90000"/>
+              </a:lnSpc>
+              <a:spcBef>
+                <a:spcPts val="500"/>
+              </a:spcBef>
+              <a:buFont typeface="Arial" panose="020B0604020202020204" pitchFamily="34" charset="0"/>
+              <a:buChar char="•"/>
+              <a:defRPr sz="1800" kern="1200">
+                <a:solidFill>
+                  <a:schemeClr val="tx1"/>
+                </a:solidFill>
+                <a:latin typeface="+mn-lt"/>
+                <a:ea typeface="+mn-ea"/>
+                <a:cs typeface="+mn-cs"/>
+              </a:defRPr>
+            </a:lvl7pPr>
+            <a:lvl8pPr marL="3429000" indent="-228600" algn="l" defTabSz="914400" rtl="0" eaLnBrk="1" latinLnBrk="0" hangingPunct="1">
+              <a:lnSpc>
+                <a:spcPct val="90000"/>
+              </a:lnSpc>
+              <a:spcBef>
+                <a:spcPts val="500"/>
+              </a:spcBef>
+              <a:buFont typeface="Arial" panose="020B0604020202020204" pitchFamily="34" charset="0"/>
+              <a:buChar char="•"/>
+              <a:defRPr sz="1800" kern="1200">
+                <a:solidFill>
+                  <a:schemeClr val="tx1"/>
+                </a:solidFill>
+                <a:latin typeface="+mn-lt"/>
+                <a:ea typeface="+mn-ea"/>
+                <a:cs typeface="+mn-cs"/>
+              </a:defRPr>
+            </a:lvl8pPr>
+            <a:lvl9pPr marL="3886200" indent="-228600" algn="l" defTabSz="914400" rtl="0" eaLnBrk="1" latinLnBrk="0" hangingPunct="1">
+              <a:lnSpc>
+                <a:spcPct val="90000"/>
+              </a:lnSpc>
+              <a:spcBef>
+                <a:spcPts val="500"/>
+              </a:spcBef>
+              <a:buFont typeface="Arial" panose="020B0604020202020204" pitchFamily="34" charset="0"/>
+              <a:buChar char="•"/>
+              <a:defRPr sz="1800" kern="1200">
+                <a:solidFill>
+                  <a:schemeClr val="tx1"/>
+                </a:solidFill>
+                <a:latin typeface="+mn-lt"/>
+                <a:ea typeface="+mn-ea"/>
+                <a:cs typeface="+mn-cs"/>
+              </a:defRPr>
+            </a:lvl9pPr>
+          </a:lstStyle>
+          <a:p>
+            <a:pPr marL="0" indent="0">
+              <a:buFont typeface="Arial" panose="020B0604020202020204" pitchFamily="34" charset="0"/>
+              <a:buNone/>
+            </a:pPr>
+            <a:r>
+              <a:rPr lang="pl-PL" sz="2000" b="1" dirty="0"/>
+              <a:t>2. Zmień tryb</a:t>
+            </a:r>
+          </a:p>
+        </p:txBody>
+      </p:sp>
+      <p:sp>
+        <p:nvSpPr>
+          <p:cNvPr id="17" name="Strzałka: w prawo 6">
+            <a:extLst>
+              <a:ext uri="{FF2B5EF4-FFF2-40B4-BE49-F238E27FC236}">
+                <a16:creationId xmlns:a16="http://schemas.microsoft.com/office/drawing/2014/main" id="{744CBE3A-1B1D-5407-A4AD-9BC78B1B252D}"/>
               </a:ext>
             </a:extLst>
           </p:cNvPr>
@@ -5058,7 +6233,7 @@
         </p:nvSpPr>
         <p:spPr>
           <a:xfrm rot="9784830">
-            <a:off x="8471154" y="3533933"/>
+            <a:off x="9643173" y="1780447"/>
             <a:ext cx="1786855" cy="660633"/>
           </a:xfrm>
           <a:prstGeom prst="rightArrow">
@@ -5092,228 +6267,10 @@
       </p:sp>
       <p:sp>
         <p:nvSpPr>
-          <p:cNvPr id="8" name="Symbol zastępczy zawartości 2">
-            <a:extLst>
-              <a:ext uri="{FF2B5EF4-FFF2-40B4-BE49-F238E27FC236}">
-                <a16:creationId xmlns:a16="http://schemas.microsoft.com/office/drawing/2014/main" id="{46603996-7A36-121F-452C-634851B05982}"/>
-              </a:ext>
-            </a:extLst>
-          </p:cNvPr>
-          <p:cNvSpPr txBox="1">
-            <a:spLocks/>
-          </p:cNvSpPr>
-          <p:nvPr/>
-        </p:nvSpPr>
-        <p:spPr>
-          <a:xfrm>
-            <a:off x="8438934" y="2981126"/>
-            <a:ext cx="3753066" cy="614186"/>
-          </a:xfrm>
-          <a:prstGeom prst="rect">
-            <a:avLst/>
-          </a:prstGeom>
-        </p:spPr>
-        <p:txBody>
-          <a:bodyPr vert="horz" lIns="91440" tIns="45720" rIns="91440" bIns="45720" rtlCol="0">
-            <a:normAutofit fontScale="85000" lnSpcReduction="10000"/>
-          </a:bodyPr>
-          <a:lstStyle>
-            <a:lvl1pPr marL="228600" indent="-228600" algn="l" defTabSz="914400" rtl="0" eaLnBrk="1" latinLnBrk="0" hangingPunct="1">
-              <a:lnSpc>
-                <a:spcPct val="110000"/>
-              </a:lnSpc>
-              <a:spcBef>
-                <a:spcPts val="1000"/>
-              </a:spcBef>
-              <a:buClr>
-                <a:schemeClr val="accent1"/>
-              </a:buClr>
-              <a:buFont typeface="Arial" panose="020B0604020202020204" pitchFamily="34" charset="0"/>
-              <a:buChar char="•"/>
-              <a:defRPr sz="2800" kern="1200">
-                <a:solidFill>
-                  <a:schemeClr val="bg1"/>
-                </a:solidFill>
-                <a:latin typeface="+mn-lt"/>
-                <a:ea typeface="+mn-ea"/>
-                <a:cs typeface="+mn-cs"/>
-              </a:defRPr>
-            </a:lvl1pPr>
-            <a:lvl2pPr marL="685800" indent="-228600" algn="l" defTabSz="914400" rtl="0" eaLnBrk="1" latinLnBrk="0" hangingPunct="1">
-              <a:lnSpc>
-                <a:spcPct val="110000"/>
-              </a:lnSpc>
-              <a:spcBef>
-                <a:spcPts val="500"/>
-              </a:spcBef>
-              <a:buClr>
-                <a:schemeClr val="accent1"/>
-              </a:buClr>
-              <a:buFont typeface="Arial" panose="020B0604020202020204" pitchFamily="34" charset="0"/>
-              <a:buChar char="•"/>
-              <a:defRPr sz="2400" kern="1200">
-                <a:solidFill>
-                  <a:schemeClr val="bg1"/>
-                </a:solidFill>
-                <a:latin typeface="+mn-lt"/>
-                <a:ea typeface="+mn-ea"/>
-                <a:cs typeface="+mn-cs"/>
-              </a:defRPr>
-            </a:lvl2pPr>
-            <a:lvl3pPr marL="1143000" indent="-228600" algn="l" defTabSz="914400" rtl="0" eaLnBrk="1" latinLnBrk="0" hangingPunct="1">
-              <a:lnSpc>
-                <a:spcPct val="110000"/>
-              </a:lnSpc>
-              <a:spcBef>
-                <a:spcPts val="500"/>
-              </a:spcBef>
-              <a:buClr>
-                <a:schemeClr val="accent1"/>
-              </a:buClr>
-              <a:buFont typeface="Arial" panose="020B0604020202020204" pitchFamily="34" charset="0"/>
-              <a:buChar char="•"/>
-              <a:defRPr sz="2000" kern="1200">
-                <a:solidFill>
-                  <a:schemeClr val="bg1"/>
-                </a:solidFill>
-                <a:latin typeface="+mn-lt"/>
-                <a:ea typeface="+mn-ea"/>
-                <a:cs typeface="+mn-cs"/>
-              </a:defRPr>
-            </a:lvl3pPr>
-            <a:lvl4pPr marL="1600200" indent="-228600" algn="l" defTabSz="914400" rtl="0" eaLnBrk="1" latinLnBrk="0" hangingPunct="1">
-              <a:lnSpc>
-                <a:spcPct val="110000"/>
-              </a:lnSpc>
-              <a:spcBef>
-                <a:spcPts val="500"/>
-              </a:spcBef>
-              <a:buClr>
-                <a:schemeClr val="accent1"/>
-              </a:buClr>
-              <a:buFont typeface="Arial" panose="020B0604020202020204" pitchFamily="34" charset="0"/>
-              <a:buChar char="•"/>
-              <a:defRPr sz="1800" kern="1200">
-                <a:solidFill>
-                  <a:schemeClr val="bg1"/>
-                </a:solidFill>
-                <a:latin typeface="+mn-lt"/>
-                <a:ea typeface="+mn-ea"/>
-                <a:cs typeface="+mn-cs"/>
-              </a:defRPr>
-            </a:lvl4pPr>
-            <a:lvl5pPr marL="2057400" indent="-228600" algn="l" defTabSz="914400" rtl="0" eaLnBrk="1" latinLnBrk="0" hangingPunct="1">
-              <a:lnSpc>
-                <a:spcPct val="110000"/>
-              </a:lnSpc>
-              <a:spcBef>
-                <a:spcPts val="500"/>
-              </a:spcBef>
-              <a:buClr>
-                <a:schemeClr val="accent1"/>
-              </a:buClr>
-              <a:buFont typeface="Arial" panose="020B0604020202020204" pitchFamily="34" charset="0"/>
-              <a:buChar char="•"/>
-              <a:defRPr sz="1800" kern="1200">
-                <a:solidFill>
-                  <a:schemeClr val="bg1"/>
-                </a:solidFill>
-                <a:latin typeface="+mn-lt"/>
-                <a:ea typeface="+mn-ea"/>
-                <a:cs typeface="+mn-cs"/>
-              </a:defRPr>
-            </a:lvl5pPr>
-            <a:lvl6pPr marL="2514600" indent="-228600" algn="l" defTabSz="914400" rtl="0" eaLnBrk="1" latinLnBrk="0" hangingPunct="1">
-              <a:lnSpc>
-                <a:spcPct val="90000"/>
-              </a:lnSpc>
-              <a:spcBef>
-                <a:spcPts val="500"/>
-              </a:spcBef>
-              <a:buFont typeface="Arial" panose="020B0604020202020204" pitchFamily="34" charset="0"/>
-              <a:buChar char="•"/>
-              <a:defRPr sz="1800" kern="1200">
-                <a:solidFill>
-                  <a:schemeClr val="tx1"/>
-                </a:solidFill>
-                <a:latin typeface="+mn-lt"/>
-                <a:ea typeface="+mn-ea"/>
-                <a:cs typeface="+mn-cs"/>
-              </a:defRPr>
-            </a:lvl6pPr>
-            <a:lvl7pPr marL="2971800" indent="-228600" algn="l" defTabSz="914400" rtl="0" eaLnBrk="1" latinLnBrk="0" hangingPunct="1">
-              <a:lnSpc>
-                <a:spcPct val="90000"/>
-              </a:lnSpc>
-              <a:spcBef>
-                <a:spcPts val="500"/>
-              </a:spcBef>
-              <a:buFont typeface="Arial" panose="020B0604020202020204" pitchFamily="34" charset="0"/>
-              <a:buChar char="•"/>
-              <a:defRPr sz="1800" kern="1200">
-                <a:solidFill>
-                  <a:schemeClr val="tx1"/>
-                </a:solidFill>
-                <a:latin typeface="+mn-lt"/>
-                <a:ea typeface="+mn-ea"/>
-                <a:cs typeface="+mn-cs"/>
-              </a:defRPr>
-            </a:lvl7pPr>
-            <a:lvl8pPr marL="3429000" indent="-228600" algn="l" defTabSz="914400" rtl="0" eaLnBrk="1" latinLnBrk="0" hangingPunct="1">
-              <a:lnSpc>
-                <a:spcPct val="90000"/>
-              </a:lnSpc>
-              <a:spcBef>
-                <a:spcPts val="500"/>
-              </a:spcBef>
-              <a:buFont typeface="Arial" panose="020B0604020202020204" pitchFamily="34" charset="0"/>
-              <a:buChar char="•"/>
-              <a:defRPr sz="1800" kern="1200">
-                <a:solidFill>
-                  <a:schemeClr val="tx1"/>
-                </a:solidFill>
-                <a:latin typeface="+mn-lt"/>
-                <a:ea typeface="+mn-ea"/>
-                <a:cs typeface="+mn-cs"/>
-              </a:defRPr>
-            </a:lvl8pPr>
-            <a:lvl9pPr marL="3886200" indent="-228600" algn="l" defTabSz="914400" rtl="0" eaLnBrk="1" latinLnBrk="0" hangingPunct="1">
-              <a:lnSpc>
-                <a:spcPct val="90000"/>
-              </a:lnSpc>
-              <a:spcBef>
-                <a:spcPts val="500"/>
-              </a:spcBef>
-              <a:buFont typeface="Arial" panose="020B0604020202020204" pitchFamily="34" charset="0"/>
-              <a:buChar char="•"/>
-              <a:defRPr sz="1800" kern="1200">
-                <a:solidFill>
-                  <a:schemeClr val="tx1"/>
-                </a:solidFill>
-                <a:latin typeface="+mn-lt"/>
-                <a:ea typeface="+mn-ea"/>
-                <a:cs typeface="+mn-cs"/>
-              </a:defRPr>
-            </a:lvl9pPr>
-          </a:lstStyle>
-          <a:p>
-            <a:pPr marL="0" indent="0">
-              <a:buFont typeface="Arial" panose="020B0604020202020204" pitchFamily="34" charset="0"/>
-              <a:buNone/>
-            </a:pPr>
-            <a:r>
-              <a:rPr lang="pl-PL" b="1" dirty="0"/>
-              <a:t>3. Kliknij w ten przycisk</a:t>
-            </a:r>
-          </a:p>
-        </p:txBody>
-      </p:sp>
-      <p:sp>
-        <p:nvSpPr>
-          <p:cNvPr id="9" name="Strzałka: w prawo 8">
-            <a:extLst>
-              <a:ext uri="{FF2B5EF4-FFF2-40B4-BE49-F238E27FC236}">
-                <a16:creationId xmlns:a16="http://schemas.microsoft.com/office/drawing/2014/main" id="{43200967-1082-AF31-EDC1-F6A2983DF44E}"/>
+          <p:cNvPr id="18" name="Strzałka: w prawo 5">
+            <a:extLst>
+              <a:ext uri="{FF2B5EF4-FFF2-40B4-BE49-F238E27FC236}">
+                <a16:creationId xmlns:a16="http://schemas.microsoft.com/office/drawing/2014/main" id="{A3847070-A98F-7FC9-0E16-1FCAA4325D50}"/>
               </a:ext>
             </a:extLst>
           </p:cNvPr>
@@ -5321,8 +6278,8 @@
           <p:nvPr/>
         </p:nvSpPr>
         <p:spPr>
-          <a:xfrm rot="20538504">
-            <a:off x="3320593" y="5575723"/>
+          <a:xfrm rot="1903173">
+            <a:off x="1567477" y="2706042"/>
             <a:ext cx="1786855" cy="660633"/>
           </a:xfrm>
           <a:prstGeom prst="rightArrow">
@@ -5356,446 +6313,10 @@
       </p:sp>
       <p:sp>
         <p:nvSpPr>
-          <p:cNvPr id="10" name="Symbol zastępczy zawartości 2">
-            <a:extLst>
-              <a:ext uri="{FF2B5EF4-FFF2-40B4-BE49-F238E27FC236}">
-                <a16:creationId xmlns:a16="http://schemas.microsoft.com/office/drawing/2014/main" id="{C4863FC7-A9D8-B474-AA21-A75A292D690E}"/>
-              </a:ext>
-            </a:extLst>
-          </p:cNvPr>
-          <p:cNvSpPr txBox="1">
-            <a:spLocks/>
-          </p:cNvSpPr>
-          <p:nvPr/>
-        </p:nvSpPr>
-        <p:spPr>
-          <a:xfrm>
-            <a:off x="353437" y="5993920"/>
-            <a:ext cx="3274831" cy="614186"/>
-          </a:xfrm>
-          <a:prstGeom prst="rect">
-            <a:avLst/>
-          </a:prstGeom>
-        </p:spPr>
-        <p:txBody>
-          <a:bodyPr vert="horz" lIns="91440" tIns="45720" rIns="91440" bIns="45720" rtlCol="0">
-            <a:normAutofit fontScale="85000" lnSpcReduction="10000"/>
-          </a:bodyPr>
-          <a:lstStyle>
-            <a:lvl1pPr marL="228600" indent="-228600" algn="l" defTabSz="914400" rtl="0" eaLnBrk="1" latinLnBrk="0" hangingPunct="1">
-              <a:lnSpc>
-                <a:spcPct val="110000"/>
-              </a:lnSpc>
-              <a:spcBef>
-                <a:spcPts val="1000"/>
-              </a:spcBef>
-              <a:buClr>
-                <a:schemeClr val="accent1"/>
-              </a:buClr>
-              <a:buFont typeface="Arial" panose="020B0604020202020204" pitchFamily="34" charset="0"/>
-              <a:buChar char="•"/>
-              <a:defRPr sz="2800" kern="1200">
-                <a:solidFill>
-                  <a:schemeClr val="bg1"/>
-                </a:solidFill>
-                <a:latin typeface="+mn-lt"/>
-                <a:ea typeface="+mn-ea"/>
-                <a:cs typeface="+mn-cs"/>
-              </a:defRPr>
-            </a:lvl1pPr>
-            <a:lvl2pPr marL="685800" indent="-228600" algn="l" defTabSz="914400" rtl="0" eaLnBrk="1" latinLnBrk="0" hangingPunct="1">
-              <a:lnSpc>
-                <a:spcPct val="110000"/>
-              </a:lnSpc>
-              <a:spcBef>
-                <a:spcPts val="500"/>
-              </a:spcBef>
-              <a:buClr>
-                <a:schemeClr val="accent1"/>
-              </a:buClr>
-              <a:buFont typeface="Arial" panose="020B0604020202020204" pitchFamily="34" charset="0"/>
-              <a:buChar char="•"/>
-              <a:defRPr sz="2400" kern="1200">
-                <a:solidFill>
-                  <a:schemeClr val="bg1"/>
-                </a:solidFill>
-                <a:latin typeface="+mn-lt"/>
-                <a:ea typeface="+mn-ea"/>
-                <a:cs typeface="+mn-cs"/>
-              </a:defRPr>
-            </a:lvl2pPr>
-            <a:lvl3pPr marL="1143000" indent="-228600" algn="l" defTabSz="914400" rtl="0" eaLnBrk="1" latinLnBrk="0" hangingPunct="1">
-              <a:lnSpc>
-                <a:spcPct val="110000"/>
-              </a:lnSpc>
-              <a:spcBef>
-                <a:spcPts val="500"/>
-              </a:spcBef>
-              <a:buClr>
-                <a:schemeClr val="accent1"/>
-              </a:buClr>
-              <a:buFont typeface="Arial" panose="020B0604020202020204" pitchFamily="34" charset="0"/>
-              <a:buChar char="•"/>
-              <a:defRPr sz="2000" kern="1200">
-                <a:solidFill>
-                  <a:schemeClr val="bg1"/>
-                </a:solidFill>
-                <a:latin typeface="+mn-lt"/>
-                <a:ea typeface="+mn-ea"/>
-                <a:cs typeface="+mn-cs"/>
-              </a:defRPr>
-            </a:lvl3pPr>
-            <a:lvl4pPr marL="1600200" indent="-228600" algn="l" defTabSz="914400" rtl="0" eaLnBrk="1" latinLnBrk="0" hangingPunct="1">
-              <a:lnSpc>
-                <a:spcPct val="110000"/>
-              </a:lnSpc>
-              <a:spcBef>
-                <a:spcPts val="500"/>
-              </a:spcBef>
-              <a:buClr>
-                <a:schemeClr val="accent1"/>
-              </a:buClr>
-              <a:buFont typeface="Arial" panose="020B0604020202020204" pitchFamily="34" charset="0"/>
-              <a:buChar char="•"/>
-              <a:defRPr sz="1800" kern="1200">
-                <a:solidFill>
-                  <a:schemeClr val="bg1"/>
-                </a:solidFill>
-                <a:latin typeface="+mn-lt"/>
-                <a:ea typeface="+mn-ea"/>
-                <a:cs typeface="+mn-cs"/>
-              </a:defRPr>
-            </a:lvl4pPr>
-            <a:lvl5pPr marL="2057400" indent="-228600" algn="l" defTabSz="914400" rtl="0" eaLnBrk="1" latinLnBrk="0" hangingPunct="1">
-              <a:lnSpc>
-                <a:spcPct val="110000"/>
-              </a:lnSpc>
-              <a:spcBef>
-                <a:spcPts val="500"/>
-              </a:spcBef>
-              <a:buClr>
-                <a:schemeClr val="accent1"/>
-              </a:buClr>
-              <a:buFont typeface="Arial" panose="020B0604020202020204" pitchFamily="34" charset="0"/>
-              <a:buChar char="•"/>
-              <a:defRPr sz="1800" kern="1200">
-                <a:solidFill>
-                  <a:schemeClr val="bg1"/>
-                </a:solidFill>
-                <a:latin typeface="+mn-lt"/>
-                <a:ea typeface="+mn-ea"/>
-                <a:cs typeface="+mn-cs"/>
-              </a:defRPr>
-            </a:lvl5pPr>
-            <a:lvl6pPr marL="2514600" indent="-228600" algn="l" defTabSz="914400" rtl="0" eaLnBrk="1" latinLnBrk="0" hangingPunct="1">
-              <a:lnSpc>
-                <a:spcPct val="90000"/>
-              </a:lnSpc>
-              <a:spcBef>
-                <a:spcPts val="500"/>
-              </a:spcBef>
-              <a:buFont typeface="Arial" panose="020B0604020202020204" pitchFamily="34" charset="0"/>
-              <a:buChar char="•"/>
-              <a:defRPr sz="1800" kern="1200">
-                <a:solidFill>
-                  <a:schemeClr val="tx1"/>
-                </a:solidFill>
-                <a:latin typeface="+mn-lt"/>
-                <a:ea typeface="+mn-ea"/>
-                <a:cs typeface="+mn-cs"/>
-              </a:defRPr>
-            </a:lvl6pPr>
-            <a:lvl7pPr marL="2971800" indent="-228600" algn="l" defTabSz="914400" rtl="0" eaLnBrk="1" latinLnBrk="0" hangingPunct="1">
-              <a:lnSpc>
-                <a:spcPct val="90000"/>
-              </a:lnSpc>
-              <a:spcBef>
-                <a:spcPts val="500"/>
-              </a:spcBef>
-              <a:buFont typeface="Arial" panose="020B0604020202020204" pitchFamily="34" charset="0"/>
-              <a:buChar char="•"/>
-              <a:defRPr sz="1800" kern="1200">
-                <a:solidFill>
-                  <a:schemeClr val="tx1"/>
-                </a:solidFill>
-                <a:latin typeface="+mn-lt"/>
-                <a:ea typeface="+mn-ea"/>
-                <a:cs typeface="+mn-cs"/>
-              </a:defRPr>
-            </a:lvl7pPr>
-            <a:lvl8pPr marL="3429000" indent="-228600" algn="l" defTabSz="914400" rtl="0" eaLnBrk="1" latinLnBrk="0" hangingPunct="1">
-              <a:lnSpc>
-                <a:spcPct val="90000"/>
-              </a:lnSpc>
-              <a:spcBef>
-                <a:spcPts val="500"/>
-              </a:spcBef>
-              <a:buFont typeface="Arial" panose="020B0604020202020204" pitchFamily="34" charset="0"/>
-              <a:buChar char="•"/>
-              <a:defRPr sz="1800" kern="1200">
-                <a:solidFill>
-                  <a:schemeClr val="tx1"/>
-                </a:solidFill>
-                <a:latin typeface="+mn-lt"/>
-                <a:ea typeface="+mn-ea"/>
-                <a:cs typeface="+mn-cs"/>
-              </a:defRPr>
-            </a:lvl8pPr>
-            <a:lvl9pPr marL="3886200" indent="-228600" algn="l" defTabSz="914400" rtl="0" eaLnBrk="1" latinLnBrk="0" hangingPunct="1">
-              <a:lnSpc>
-                <a:spcPct val="90000"/>
-              </a:lnSpc>
-              <a:spcBef>
-                <a:spcPts val="500"/>
-              </a:spcBef>
-              <a:buFont typeface="Arial" panose="020B0604020202020204" pitchFamily="34" charset="0"/>
-              <a:buChar char="•"/>
-              <a:defRPr sz="1800" kern="1200">
-                <a:solidFill>
-                  <a:schemeClr val="tx1"/>
-                </a:solidFill>
-                <a:latin typeface="+mn-lt"/>
-                <a:ea typeface="+mn-ea"/>
-                <a:cs typeface="+mn-cs"/>
-              </a:defRPr>
-            </a:lvl9pPr>
-          </a:lstStyle>
-          <a:p>
-            <a:pPr marL="0" indent="0">
-              <a:buFont typeface="Arial" panose="020B0604020202020204" pitchFamily="34" charset="0"/>
-              <a:buNone/>
-            </a:pPr>
-            <a:r>
-              <a:rPr lang="pl-PL" sz="2000" b="1" dirty="0"/>
-              <a:t>3. Sprawdź do jakich kategorii pasuje twój tekst</a:t>
-            </a:r>
-          </a:p>
-        </p:txBody>
-      </p:sp>
-      <p:sp>
-        <p:nvSpPr>
-          <p:cNvPr id="12" name="Symbol zastępczy zawartości 2">
-            <a:extLst>
-              <a:ext uri="{FF2B5EF4-FFF2-40B4-BE49-F238E27FC236}">
-                <a16:creationId xmlns:a16="http://schemas.microsoft.com/office/drawing/2014/main" id="{A66D046D-495A-DA4F-FF0B-3E7FCF865971}"/>
-              </a:ext>
-            </a:extLst>
-          </p:cNvPr>
-          <p:cNvSpPr txBox="1">
-            <a:spLocks/>
-          </p:cNvSpPr>
-          <p:nvPr/>
-        </p:nvSpPr>
-        <p:spPr>
-          <a:xfrm>
-            <a:off x="8848660" y="1482134"/>
-            <a:ext cx="3274831" cy="614186"/>
-          </a:xfrm>
-          <a:prstGeom prst="rect">
-            <a:avLst/>
-          </a:prstGeom>
-        </p:spPr>
-        <p:txBody>
-          <a:bodyPr vert="horz" lIns="91440" tIns="45720" rIns="91440" bIns="45720" rtlCol="0">
-            <a:normAutofit/>
-          </a:bodyPr>
-          <a:lstStyle>
-            <a:lvl1pPr marL="228600" indent="-228600" algn="l" defTabSz="914400" rtl="0" eaLnBrk="1" latinLnBrk="0" hangingPunct="1">
-              <a:lnSpc>
-                <a:spcPct val="110000"/>
-              </a:lnSpc>
-              <a:spcBef>
-                <a:spcPts val="1000"/>
-              </a:spcBef>
-              <a:buClr>
-                <a:schemeClr val="accent1"/>
-              </a:buClr>
-              <a:buFont typeface="Arial" panose="020B0604020202020204" pitchFamily="34" charset="0"/>
-              <a:buChar char="•"/>
-              <a:defRPr sz="2800" kern="1200">
-                <a:solidFill>
-                  <a:schemeClr val="bg1"/>
-                </a:solidFill>
-                <a:latin typeface="+mn-lt"/>
-                <a:ea typeface="+mn-ea"/>
-                <a:cs typeface="+mn-cs"/>
-              </a:defRPr>
-            </a:lvl1pPr>
-            <a:lvl2pPr marL="685800" indent="-228600" algn="l" defTabSz="914400" rtl="0" eaLnBrk="1" latinLnBrk="0" hangingPunct="1">
-              <a:lnSpc>
-                <a:spcPct val="110000"/>
-              </a:lnSpc>
-              <a:spcBef>
-                <a:spcPts val="500"/>
-              </a:spcBef>
-              <a:buClr>
-                <a:schemeClr val="accent1"/>
-              </a:buClr>
-              <a:buFont typeface="Arial" panose="020B0604020202020204" pitchFamily="34" charset="0"/>
-              <a:buChar char="•"/>
-              <a:defRPr sz="2400" kern="1200">
-                <a:solidFill>
-                  <a:schemeClr val="bg1"/>
-                </a:solidFill>
-                <a:latin typeface="+mn-lt"/>
-                <a:ea typeface="+mn-ea"/>
-                <a:cs typeface="+mn-cs"/>
-              </a:defRPr>
-            </a:lvl2pPr>
-            <a:lvl3pPr marL="1143000" indent="-228600" algn="l" defTabSz="914400" rtl="0" eaLnBrk="1" latinLnBrk="0" hangingPunct="1">
-              <a:lnSpc>
-                <a:spcPct val="110000"/>
-              </a:lnSpc>
-              <a:spcBef>
-                <a:spcPts val="500"/>
-              </a:spcBef>
-              <a:buClr>
-                <a:schemeClr val="accent1"/>
-              </a:buClr>
-              <a:buFont typeface="Arial" panose="020B0604020202020204" pitchFamily="34" charset="0"/>
-              <a:buChar char="•"/>
-              <a:defRPr sz="2000" kern="1200">
-                <a:solidFill>
-                  <a:schemeClr val="bg1"/>
-                </a:solidFill>
-                <a:latin typeface="+mn-lt"/>
-                <a:ea typeface="+mn-ea"/>
-                <a:cs typeface="+mn-cs"/>
-              </a:defRPr>
-            </a:lvl3pPr>
-            <a:lvl4pPr marL="1600200" indent="-228600" algn="l" defTabSz="914400" rtl="0" eaLnBrk="1" latinLnBrk="0" hangingPunct="1">
-              <a:lnSpc>
-                <a:spcPct val="110000"/>
-              </a:lnSpc>
-              <a:spcBef>
-                <a:spcPts val="500"/>
-              </a:spcBef>
-              <a:buClr>
-                <a:schemeClr val="accent1"/>
-              </a:buClr>
-              <a:buFont typeface="Arial" panose="020B0604020202020204" pitchFamily="34" charset="0"/>
-              <a:buChar char="•"/>
-              <a:defRPr sz="1800" kern="1200">
-                <a:solidFill>
-                  <a:schemeClr val="bg1"/>
-                </a:solidFill>
-                <a:latin typeface="+mn-lt"/>
-                <a:ea typeface="+mn-ea"/>
-                <a:cs typeface="+mn-cs"/>
-              </a:defRPr>
-            </a:lvl4pPr>
-            <a:lvl5pPr marL="2057400" indent="-228600" algn="l" defTabSz="914400" rtl="0" eaLnBrk="1" latinLnBrk="0" hangingPunct="1">
-              <a:lnSpc>
-                <a:spcPct val="110000"/>
-              </a:lnSpc>
-              <a:spcBef>
-                <a:spcPts val="500"/>
-              </a:spcBef>
-              <a:buClr>
-                <a:schemeClr val="accent1"/>
-              </a:buClr>
-              <a:buFont typeface="Arial" panose="020B0604020202020204" pitchFamily="34" charset="0"/>
-              <a:buChar char="•"/>
-              <a:defRPr sz="1800" kern="1200">
-                <a:solidFill>
-                  <a:schemeClr val="bg1"/>
-                </a:solidFill>
-                <a:latin typeface="+mn-lt"/>
-                <a:ea typeface="+mn-ea"/>
-                <a:cs typeface="+mn-cs"/>
-              </a:defRPr>
-            </a:lvl5pPr>
-            <a:lvl6pPr marL="2514600" indent="-228600" algn="l" defTabSz="914400" rtl="0" eaLnBrk="1" latinLnBrk="0" hangingPunct="1">
-              <a:lnSpc>
-                <a:spcPct val="90000"/>
-              </a:lnSpc>
-              <a:spcBef>
-                <a:spcPts val="500"/>
-              </a:spcBef>
-              <a:buFont typeface="Arial" panose="020B0604020202020204" pitchFamily="34" charset="0"/>
-              <a:buChar char="•"/>
-              <a:defRPr sz="1800" kern="1200">
-                <a:solidFill>
-                  <a:schemeClr val="tx1"/>
-                </a:solidFill>
-                <a:latin typeface="+mn-lt"/>
-                <a:ea typeface="+mn-ea"/>
-                <a:cs typeface="+mn-cs"/>
-              </a:defRPr>
-            </a:lvl6pPr>
-            <a:lvl7pPr marL="2971800" indent="-228600" algn="l" defTabSz="914400" rtl="0" eaLnBrk="1" latinLnBrk="0" hangingPunct="1">
-              <a:lnSpc>
-                <a:spcPct val="90000"/>
-              </a:lnSpc>
-              <a:spcBef>
-                <a:spcPts val="500"/>
-              </a:spcBef>
-              <a:buFont typeface="Arial" panose="020B0604020202020204" pitchFamily="34" charset="0"/>
-              <a:buChar char="•"/>
-              <a:defRPr sz="1800" kern="1200">
-                <a:solidFill>
-                  <a:schemeClr val="tx1"/>
-                </a:solidFill>
-                <a:latin typeface="+mn-lt"/>
-                <a:ea typeface="+mn-ea"/>
-                <a:cs typeface="+mn-cs"/>
-              </a:defRPr>
-            </a:lvl7pPr>
-            <a:lvl8pPr marL="3429000" indent="-228600" algn="l" defTabSz="914400" rtl="0" eaLnBrk="1" latinLnBrk="0" hangingPunct="1">
-              <a:lnSpc>
-                <a:spcPct val="90000"/>
-              </a:lnSpc>
-              <a:spcBef>
-                <a:spcPts val="500"/>
-              </a:spcBef>
-              <a:buFont typeface="Arial" panose="020B0604020202020204" pitchFamily="34" charset="0"/>
-              <a:buChar char="•"/>
-              <a:defRPr sz="1800" kern="1200">
-                <a:solidFill>
-                  <a:schemeClr val="tx1"/>
-                </a:solidFill>
-                <a:latin typeface="+mn-lt"/>
-                <a:ea typeface="+mn-ea"/>
-                <a:cs typeface="+mn-cs"/>
-              </a:defRPr>
-            </a:lvl8pPr>
-            <a:lvl9pPr marL="3886200" indent="-228600" algn="l" defTabSz="914400" rtl="0" eaLnBrk="1" latinLnBrk="0" hangingPunct="1">
-              <a:lnSpc>
-                <a:spcPct val="90000"/>
-              </a:lnSpc>
-              <a:spcBef>
-                <a:spcPts val="500"/>
-              </a:spcBef>
-              <a:buFont typeface="Arial" panose="020B0604020202020204" pitchFamily="34" charset="0"/>
-              <a:buChar char="•"/>
-              <a:defRPr sz="1800" kern="1200">
-                <a:solidFill>
-                  <a:schemeClr val="tx1"/>
-                </a:solidFill>
-                <a:latin typeface="+mn-lt"/>
-                <a:ea typeface="+mn-ea"/>
-                <a:cs typeface="+mn-cs"/>
-              </a:defRPr>
-            </a:lvl9pPr>
-          </a:lstStyle>
-          <a:p>
-            <a:pPr marL="0" indent="0">
-              <a:buFont typeface="Arial" panose="020B0604020202020204" pitchFamily="34" charset="0"/>
-              <a:buNone/>
-            </a:pPr>
-            <a:r>
-              <a:rPr lang="pl-PL" sz="2000" b="1" dirty="0"/>
-              <a:t>1. Zmień tryb</a:t>
-            </a:r>
-          </a:p>
-        </p:txBody>
-      </p:sp>
-      <p:sp>
-        <p:nvSpPr>
-          <p:cNvPr id="13" name="Strzałka: w prawo 12">
-            <a:extLst>
-              <a:ext uri="{FF2B5EF4-FFF2-40B4-BE49-F238E27FC236}">
-                <a16:creationId xmlns:a16="http://schemas.microsoft.com/office/drawing/2014/main" id="{4EC85D10-4C4F-2912-DBB0-BA39CD9563A2}"/>
+          <p:cNvPr id="19" name="Strzałka: w prawo 8">
+            <a:extLst>
+              <a:ext uri="{FF2B5EF4-FFF2-40B4-BE49-F238E27FC236}">
+                <a16:creationId xmlns:a16="http://schemas.microsoft.com/office/drawing/2014/main" id="{310640E7-76AA-DEFC-B77F-72820791CB86}"/>
               </a:ext>
             </a:extLst>
           </p:cNvPr>
@@ -5803,9 +6324,9 @@
           <p:nvPr/>
         </p:nvSpPr>
         <p:spPr>
-          <a:xfrm rot="9784830">
-            <a:off x="6815117" y="2101704"/>
-            <a:ext cx="2777184" cy="660633"/>
+          <a:xfrm rot="20538504">
+            <a:off x="3269360" y="5639125"/>
+            <a:ext cx="1786855" cy="660633"/>
           </a:xfrm>
           <a:prstGeom prst="rightArrow">
             <a:avLst/>

--- a/Arcicle Classifier – działanie prototypu.pptx
+++ b/Arcicle Classifier – działanie prototypu.pptx
@@ -4025,18 +4025,19 @@
           <a:p>
             <a:r>
               <a:rPr lang="pl-PL" dirty="0"/>
-              <a:t>Sklonuj repozytorium </a:t>
-            </a:r>
-            <a:r>
-              <a:rPr lang="pl-PL" dirty="0">
+              <a:t>Sklonuj </a:t>
+            </a:r>
+            <a:r>
+              <a:rPr lang="pl-PL"/>
+              <a:t>repozytorium </a:t>
+            </a:r>
+            <a:r>
+              <a:rPr lang="pl-PL">
                 <a:hlinkClick r:id="rId2"/>
               </a:rPr>
-              <a:t>https://github.com/TheVosges/Article-Classifier</a:t>
-            </a:r>
-            <a:r>
-              <a:rPr lang="pl-PL" dirty="0"/>
-              <a:t> </a:t>
-            </a:r>
+              <a:t>https://github.com/piotrbarabasz/WebArticleClassifier?tab=readme-ov-file</a:t>
+            </a:r>
+            <a:endParaRPr lang="pl-PL" dirty="0"/>
           </a:p>
           <a:p>
             <a:r>
